--- a/template.pptx
+++ b/template.pptx
@@ -10,7 +10,7 @@
   <p:handoutMasterIdLst>
     <p:handoutMasterId r:id="rId7"/>
   </p:handoutMasterIdLst>
-  <p:sldSz cx="10287000" cy="6858000" type="35mm"/>
+  <p:sldSz cx="12192000" cy="6858000"/>
   <p:notesSz cx="7023100" cy="9309100"/>
   <p:defaultTextStyle>
     <a:defPPr>
@@ -140,12 +140,12 @@
   <p:extLst>
     <p:ext uri="{EFAFB233-063F-42B5-8137-9DF3F51BA10A}">
       <p15:sldGuideLst xmlns:p15="http://schemas.microsoft.com/office/powerpoint/2012/main">
-        <p15:guide id="1" orient="horz" pos="2160">
+        <p15:guide id="1" orient="horz" pos="2160" userDrawn="1">
           <p15:clr>
             <a:srgbClr val="A4A3A4"/>
           </p15:clr>
         </p15:guide>
-        <p15:guide id="2" pos="3240">
+        <p15:guide id="2" pos="3840" userDrawn="1">
           <p15:clr>
             <a:srgbClr val="A4A3A4"/>
           </p15:clr>
@@ -2627,8 +2627,8 @@
         </p:nvSpPr>
         <p:spPr bwMode="auto">
           <a:xfrm>
-            <a:off x="908050" y="711200"/>
-            <a:ext cx="5207000" cy="3471863"/>
+            <a:off x="425450" y="711200"/>
+            <a:ext cx="6172200" cy="3471863"/>
           </a:xfrm>
           <a:prstGeom prst="rect">
             <a:avLst/>
@@ -2925,8 +2925,8 @@
         </p:nvSpPr>
         <p:spPr>
           <a:xfrm>
-            <a:off x="771525" y="2130426"/>
-            <a:ext cx="8743950" cy="1470025"/>
+            <a:off x="914400" y="2130427"/>
+            <a:ext cx="10363200" cy="1470025"/>
           </a:xfrm>
         </p:spPr>
         <p:txBody>
@@ -2961,8 +2961,8 @@
         </p:nvSpPr>
         <p:spPr>
           <a:xfrm>
-            <a:off x="1543050" y="3937000"/>
-            <a:ext cx="7200900" cy="1134533"/>
+            <a:off x="1828800" y="3937001"/>
+            <a:ext cx="8534400" cy="1134533"/>
           </a:xfrm>
         </p:spPr>
         <p:txBody>
@@ -2978,7 +2978,7 @@
                 </a:solidFill>
               </a:defRPr>
             </a:lvl1pPr>
-            <a:lvl2pPr marL="457200" indent="0" algn="ctr">
+            <a:lvl2pPr marL="541873" indent="0" algn="ctr">
               <a:buNone/>
               <a:defRPr>
                 <a:solidFill>
@@ -2988,7 +2988,7 @@
                 </a:solidFill>
               </a:defRPr>
             </a:lvl2pPr>
-            <a:lvl3pPr marL="914400" indent="0" algn="ctr">
+            <a:lvl3pPr marL="1083747" indent="0" algn="ctr">
               <a:buNone/>
               <a:defRPr>
                 <a:solidFill>
@@ -2998,7 +2998,7 @@
                 </a:solidFill>
               </a:defRPr>
             </a:lvl3pPr>
-            <a:lvl4pPr marL="1371600" indent="0" algn="ctr">
+            <a:lvl4pPr marL="1625620" indent="0" algn="ctr">
               <a:buNone/>
               <a:defRPr>
                 <a:solidFill>
@@ -3008,7 +3008,7 @@
                 </a:solidFill>
               </a:defRPr>
             </a:lvl4pPr>
-            <a:lvl5pPr marL="1828800" indent="0" algn="ctr">
+            <a:lvl5pPr marL="2167494" indent="0" algn="ctr">
               <a:buNone/>
               <a:defRPr>
                 <a:solidFill>
@@ -3018,7 +3018,7 @@
                 </a:solidFill>
               </a:defRPr>
             </a:lvl5pPr>
-            <a:lvl6pPr marL="2286000" indent="0" algn="ctr">
+            <a:lvl6pPr marL="2709367" indent="0" algn="ctr">
               <a:buNone/>
               <a:defRPr>
                 <a:solidFill>
@@ -3028,7 +3028,7 @@
                 </a:solidFill>
               </a:defRPr>
             </a:lvl6pPr>
-            <a:lvl7pPr marL="2743200" indent="0" algn="ctr">
+            <a:lvl7pPr marL="3251241" indent="0" algn="ctr">
               <a:buNone/>
               <a:defRPr>
                 <a:solidFill>
@@ -3038,7 +3038,7 @@
                 </a:solidFill>
               </a:defRPr>
             </a:lvl7pPr>
-            <a:lvl8pPr marL="3200400" indent="0" algn="ctr">
+            <a:lvl8pPr marL="3793114" indent="0" algn="ctr">
               <a:buNone/>
               <a:defRPr>
                 <a:solidFill>
@@ -3048,7 +3048,7 @@
                 </a:solidFill>
               </a:defRPr>
             </a:lvl8pPr>
-            <a:lvl9pPr marL="3657600" indent="0" algn="ctr">
+            <a:lvl9pPr marL="4334988" indent="0" algn="ctr">
               <a:buNone/>
               <a:defRPr>
                 <a:solidFill>
@@ -3082,7 +3082,7 @@
         <p:txBody>
           <a:bodyPr/>
           <a:lstStyle>
-            <a:lvl1pPr defTabSz="914400" eaLnBrk="0" fontAlgn="base" hangingPunct="0">
+            <a:lvl1pPr defTabSz="1083747" eaLnBrk="0" fontAlgn="base" hangingPunct="0">
               <a:spcBef>
                 <a:spcPct val="0"/>
               </a:spcBef>
@@ -3106,7 +3106,7 @@
               <a:pPr>
                 <a:defRPr/>
               </a:pPr>
-              <a:t>12/30/2019</a:t>
+              <a:t>1/8/2020</a:t>
             </a:fld>
             <a:endParaRPr lang="en-US" dirty="0"/>
           </a:p>
@@ -3126,7 +3126,7 @@
         <p:txBody>
           <a:bodyPr/>
           <a:lstStyle>
-            <a:lvl1pPr defTabSz="914400" eaLnBrk="0" hangingPunct="0">
+            <a:lvl1pPr defTabSz="1083747" eaLnBrk="0" hangingPunct="0">
               <a:defRPr>
                 <a:solidFill>
                   <a:srgbClr val="000000"/>
@@ -3269,7 +3269,7 @@
         <p:txBody>
           <a:bodyPr/>
           <a:lstStyle>
-            <a:lvl1pPr defTabSz="914400" eaLnBrk="0" fontAlgn="base" hangingPunct="0">
+            <a:lvl1pPr defTabSz="1083747" eaLnBrk="0" fontAlgn="base" hangingPunct="0">
               <a:spcBef>
                 <a:spcPct val="0"/>
               </a:spcBef>
@@ -3290,54 +3290,9 @@
               <a:pPr>
                 <a:defRPr/>
               </a:pPr>
-              <a:t>12/30/2019</a:t>
+              <a:t>1/8/2020</a:t>
             </a:fld>
             <a:endParaRPr lang="en-US" dirty="0"/>
-          </a:p>
-        </p:txBody>
-      </p:sp>
-      <p:sp>
-        <p:nvSpPr>
-          <p:cNvPr id="5" name="Footer Placeholder 4"/>
-          <p:cNvSpPr>
-            <a:spLocks noGrp="1"/>
-          </p:cNvSpPr>
-          <p:nvPr>
-            <p:ph type="ftr" sz="quarter" idx="11"/>
-          </p:nvPr>
-        </p:nvSpPr>
-        <p:spPr>
-          <a:xfrm>
-            <a:off x="3514725" y="6356350"/>
-            <a:ext cx="3257550" cy="365125"/>
-          </a:xfrm>
-          <a:prstGeom prst="rect">
-            <a:avLst/>
-          </a:prstGeom>
-        </p:spPr>
-        <p:txBody>
-          <a:bodyPr/>
-          <a:lstStyle>
-            <a:lvl1pPr defTabSz="457200" eaLnBrk="1" fontAlgn="auto" hangingPunct="1">
-              <a:spcBef>
-                <a:spcPts val="0"/>
-              </a:spcBef>
-              <a:spcAft>
-                <a:spcPts val="0"/>
-              </a:spcAft>
-              <a:defRPr sz="1800">
-                <a:solidFill>
-                  <a:prstClr val="black"/>
-                </a:solidFill>
-                <a:latin typeface="Calibri"/>
-              </a:defRPr>
-            </a:lvl1pPr>
-          </a:lstStyle>
-          <a:p>
-            <a:pPr>
-              <a:defRPr/>
-            </a:pPr>
-            <a:endParaRPr lang="en-US"/>
           </a:p>
         </p:txBody>
       </p:sp>
@@ -3355,7 +3310,7 @@
         <p:txBody>
           <a:bodyPr/>
           <a:lstStyle>
-            <a:lvl1pPr defTabSz="914400" eaLnBrk="0" hangingPunct="0">
+            <a:lvl1pPr defTabSz="1083747" eaLnBrk="0" hangingPunct="0">
               <a:defRPr>
                 <a:latin typeface="Times New Roman" panose="02020603050405020304" pitchFamily="18" charset="0"/>
               </a:defRPr>
@@ -3418,8 +3373,8 @@
         </p:nvSpPr>
         <p:spPr>
           <a:xfrm>
-            <a:off x="7458075" y="1600220"/>
-            <a:ext cx="2314575" cy="4525944"/>
+            <a:off x="8839201" y="1600220"/>
+            <a:ext cx="2743200" cy="4754828"/>
           </a:xfrm>
         </p:spPr>
         <p:txBody>
@@ -3446,8 +3401,8 @@
         </p:nvSpPr>
         <p:spPr>
           <a:xfrm>
-            <a:off x="514350" y="1600220"/>
-            <a:ext cx="6772275" cy="4525944"/>
+            <a:off x="609601" y="1600220"/>
+            <a:ext cx="8026400" cy="4754828"/>
           </a:xfrm>
         </p:spPr>
         <p:txBody>
@@ -3505,7 +3460,7 @@
         <p:txBody>
           <a:bodyPr/>
           <a:lstStyle>
-            <a:lvl1pPr defTabSz="914400" eaLnBrk="0" fontAlgn="base" hangingPunct="0">
+            <a:lvl1pPr defTabSz="1083747" eaLnBrk="0" fontAlgn="base" hangingPunct="0">
               <a:spcBef>
                 <a:spcPct val="0"/>
               </a:spcBef>
@@ -3526,54 +3481,9 @@
               <a:pPr>
                 <a:defRPr/>
               </a:pPr>
-              <a:t>12/30/2019</a:t>
+              <a:t>1/8/2020</a:t>
             </a:fld>
             <a:endParaRPr lang="en-US" dirty="0"/>
-          </a:p>
-        </p:txBody>
-      </p:sp>
-      <p:sp>
-        <p:nvSpPr>
-          <p:cNvPr id="5" name="Footer Placeholder 4"/>
-          <p:cNvSpPr>
-            <a:spLocks noGrp="1"/>
-          </p:cNvSpPr>
-          <p:nvPr>
-            <p:ph type="ftr" sz="quarter" idx="11"/>
-          </p:nvPr>
-        </p:nvSpPr>
-        <p:spPr>
-          <a:xfrm>
-            <a:off x="3514725" y="6356350"/>
-            <a:ext cx="3257550" cy="365125"/>
-          </a:xfrm>
-          <a:prstGeom prst="rect">
-            <a:avLst/>
-          </a:prstGeom>
-        </p:spPr>
-        <p:txBody>
-          <a:bodyPr/>
-          <a:lstStyle>
-            <a:lvl1pPr defTabSz="457200" eaLnBrk="1" fontAlgn="auto" hangingPunct="1">
-              <a:spcBef>
-                <a:spcPts val="0"/>
-              </a:spcBef>
-              <a:spcAft>
-                <a:spcPts val="0"/>
-              </a:spcAft>
-              <a:defRPr sz="1800">
-                <a:solidFill>
-                  <a:prstClr val="black"/>
-                </a:solidFill>
-                <a:latin typeface="Calibri"/>
-              </a:defRPr>
-            </a:lvl1pPr>
-          </a:lstStyle>
-          <a:p>
-            <a:pPr>
-              <a:defRPr/>
-            </a:pPr>
-            <a:endParaRPr lang="en-US"/>
           </a:p>
         </p:txBody>
       </p:sp>
@@ -3591,7 +3501,7 @@
         <p:txBody>
           <a:bodyPr/>
           <a:lstStyle>
-            <a:lvl1pPr defTabSz="914400" eaLnBrk="0" hangingPunct="0">
+            <a:lvl1pPr defTabSz="1083747" eaLnBrk="0" hangingPunct="0">
               <a:defRPr>
                 <a:latin typeface="Times New Roman" panose="02020603050405020304" pitchFamily="18" charset="0"/>
               </a:defRPr>
@@ -3675,27 +3585,32 @@
             <p:ph idx="1" hasCustomPrompt="1"/>
           </p:nvPr>
         </p:nvSpPr>
-        <p:spPr/>
+        <p:spPr>
+          <a:xfrm>
+            <a:off x="609600" y="1508781"/>
+            <a:ext cx="10972800" cy="4846267"/>
+          </a:xfrm>
+        </p:spPr>
         <p:txBody>
           <a:bodyPr anchor="ctr"/>
           <a:lstStyle>
             <a:lvl1pPr marL="0" indent="0" algn="ctr">
               <a:buNone/>
-              <a:defRPr sz="4400"/>
+              <a:defRPr sz="5215"/>
             </a:lvl1pPr>
-            <a:lvl2pPr marL="457200" indent="0">
+            <a:lvl2pPr marL="541873" indent="0">
               <a:buNone/>
               <a:defRPr/>
             </a:lvl2pPr>
-            <a:lvl3pPr marL="914400" indent="0">
+            <a:lvl3pPr marL="1083747" indent="0">
               <a:buNone/>
               <a:defRPr/>
             </a:lvl3pPr>
-            <a:lvl4pPr marL="1371600" indent="0">
+            <a:lvl4pPr marL="1625620" indent="0">
               <a:buNone/>
               <a:defRPr/>
             </a:lvl4pPr>
-            <a:lvl5pPr marL="1828800" indent="0">
+            <a:lvl5pPr marL="2167494" indent="0">
               <a:buNone/>
               <a:defRPr/>
             </a:lvl5pPr>
@@ -3724,7 +3639,7 @@
         <p:txBody>
           <a:bodyPr/>
           <a:lstStyle>
-            <a:lvl1pPr defTabSz="914400" eaLnBrk="0" fontAlgn="base" hangingPunct="0">
+            <a:lvl1pPr defTabSz="1083747" eaLnBrk="0" fontAlgn="base" hangingPunct="0">
               <a:spcBef>
                 <a:spcPct val="0"/>
               </a:spcBef>
@@ -3745,54 +3660,9 @@
               <a:pPr>
                 <a:defRPr/>
               </a:pPr>
-              <a:t>12/30/2019</a:t>
+              <a:t>1/8/2020</a:t>
             </a:fld>
             <a:endParaRPr lang="en-US" dirty="0"/>
-          </a:p>
-        </p:txBody>
-      </p:sp>
-      <p:sp>
-        <p:nvSpPr>
-          <p:cNvPr id="5" name="Footer Placeholder 4"/>
-          <p:cNvSpPr>
-            <a:spLocks noGrp="1"/>
-          </p:cNvSpPr>
-          <p:nvPr>
-            <p:ph type="ftr" sz="quarter" idx="11"/>
-          </p:nvPr>
-        </p:nvSpPr>
-        <p:spPr>
-          <a:xfrm>
-            <a:off x="3514725" y="6356350"/>
-            <a:ext cx="3257550" cy="365125"/>
-          </a:xfrm>
-          <a:prstGeom prst="rect">
-            <a:avLst/>
-          </a:prstGeom>
-        </p:spPr>
-        <p:txBody>
-          <a:bodyPr/>
-          <a:lstStyle>
-            <a:lvl1pPr defTabSz="457200" eaLnBrk="1" fontAlgn="auto" hangingPunct="1">
-              <a:spcBef>
-                <a:spcPts val="0"/>
-              </a:spcBef>
-              <a:spcAft>
-                <a:spcPts val="0"/>
-              </a:spcAft>
-              <a:defRPr sz="1800">
-                <a:solidFill>
-                  <a:prstClr val="black"/>
-                </a:solidFill>
-                <a:latin typeface="Calibri"/>
-              </a:defRPr>
-            </a:lvl1pPr>
-          </a:lstStyle>
-          <a:p>
-            <a:pPr>
-              <a:defRPr/>
-            </a:pPr>
-            <a:endParaRPr lang="en-US"/>
           </a:p>
         </p:txBody>
       </p:sp>
@@ -3810,7 +3680,7 @@
         <p:txBody>
           <a:bodyPr/>
           <a:lstStyle>
-            <a:lvl1pPr defTabSz="914400" eaLnBrk="0" hangingPunct="0">
+            <a:lvl1pPr defTabSz="1083747" eaLnBrk="0" hangingPunct="0">
               <a:defRPr>
                 <a:latin typeface="Times New Roman" panose="02020603050405020304" pitchFamily="18" charset="0"/>
               </a:defRPr>
@@ -3835,6 +3705,141 @@
     <p:extLst>
       <p:ext uri="{BB962C8B-B14F-4D97-AF65-F5344CB8AC3E}">
         <p14:creationId xmlns:p14="http://schemas.microsoft.com/office/powerpoint/2010/main" val="2294877745"/>
+      </p:ext>
+    </p:extLst>
+  </p:cSld>
+  <p:clrMapOvr>
+    <a:masterClrMapping/>
+  </p:clrMapOvr>
+</p:sldLayout>
+</file>
+
+<file path=ppt/slideLayouts/slideLayout13.xml><?xml version="1.0" encoding="utf-8"?>
+<p:sldLayout xmlns:a="http://schemas.openxmlformats.org/drawingml/2006/main" xmlns:r="http://schemas.openxmlformats.org/officeDocument/2006/relationships" xmlns:p="http://schemas.openxmlformats.org/presentationml/2006/main" preserve="1" userDrawn="1">
+  <p:cSld name="Picture">
+    <p:spTree>
+      <p:nvGrpSpPr>
+        <p:cNvPr id="1" name=""/>
+        <p:cNvGrpSpPr/>
+        <p:nvPr/>
+      </p:nvGrpSpPr>
+      <p:grpSpPr>
+        <a:xfrm>
+          <a:off x="0" y="0"/>
+          <a:ext cx="0" cy="0"/>
+          <a:chOff x="0" y="0"/>
+          <a:chExt cx="0" cy="0"/>
+        </a:xfrm>
+      </p:grpSpPr>
+      <p:sp>
+        <p:nvSpPr>
+          <p:cNvPr id="2" name="Title 1"/>
+          <p:cNvSpPr>
+            <a:spLocks noGrp="1"/>
+          </p:cNvSpPr>
+          <p:nvPr>
+            <p:ph type="title"/>
+          </p:nvPr>
+        </p:nvSpPr>
+        <p:spPr/>
+        <p:txBody>
+          <a:bodyPr/>
+          <a:lstStyle/>
+          <a:p>
+            <a:r>
+              <a:rPr lang="en-US" smtClean="0"/>
+              <a:t>Click to edit Master title style</a:t>
+            </a:r>
+            <a:endParaRPr lang="en-US"/>
+          </a:p>
+        </p:txBody>
+      </p:sp>
+      <p:sp>
+        <p:nvSpPr>
+          <p:cNvPr id="3" name="Date Placeholder 2"/>
+          <p:cNvSpPr>
+            <a:spLocks noGrp="1"/>
+          </p:cNvSpPr>
+          <p:nvPr>
+            <p:ph type="dt" sz="half" idx="10"/>
+          </p:nvPr>
+        </p:nvSpPr>
+        <p:spPr/>
+        <p:txBody>
+          <a:bodyPr/>
+          <a:lstStyle/>
+          <a:p>
+            <a:pPr>
+              <a:defRPr/>
+            </a:pPr>
+            <a:fld id="{5D6803A3-9E44-40AE-8783-2986E785056E}" type="datetimeFigureOut">
+              <a:rPr lang="en-US" smtClean="0"/>
+              <a:pPr>
+                <a:defRPr/>
+              </a:pPr>
+              <a:t>1/8/2020</a:t>
+            </a:fld>
+            <a:endParaRPr lang="en-US" dirty="0"/>
+          </a:p>
+        </p:txBody>
+      </p:sp>
+      <p:sp>
+        <p:nvSpPr>
+          <p:cNvPr id="4" name="Slide Number Placeholder 3"/>
+          <p:cNvSpPr>
+            <a:spLocks noGrp="1"/>
+          </p:cNvSpPr>
+          <p:nvPr>
+            <p:ph type="sldNum" sz="quarter" idx="11"/>
+          </p:nvPr>
+        </p:nvSpPr>
+        <p:spPr/>
+        <p:txBody>
+          <a:bodyPr/>
+          <a:lstStyle/>
+          <a:p>
+            <a:pPr>
+              <a:defRPr/>
+            </a:pPr>
+            <a:fld id="{C0F04B0E-64A8-4446-8736-2AFA3C3F725D}" type="slidenum">
+              <a:rPr lang="en-US" altLang="en-US" smtClean="0"/>
+              <a:pPr>
+                <a:defRPr/>
+              </a:pPr>
+              <a:t>‹#›</a:t>
+            </a:fld>
+            <a:endParaRPr lang="en-US" altLang="en-US"/>
+          </a:p>
+        </p:txBody>
+      </p:sp>
+      <p:sp>
+        <p:nvSpPr>
+          <p:cNvPr id="6" name="Picture Placeholder 5"/>
+          <p:cNvSpPr>
+            <a:spLocks noGrp="1"/>
+          </p:cNvSpPr>
+          <p:nvPr>
+            <p:ph type="pic" sz="quarter" idx="12"/>
+          </p:nvPr>
+        </p:nvSpPr>
+        <p:spPr>
+          <a:xfrm>
+            <a:off x="609600" y="1508782"/>
+            <a:ext cx="10972800" cy="4846266"/>
+          </a:xfrm>
+        </p:spPr>
+        <p:txBody>
+          <a:bodyPr/>
+          <a:lstStyle/>
+          <a:p>
+            <a:endParaRPr lang="en-US"/>
+          </a:p>
+        </p:txBody>
+      </p:sp>
+    </p:spTree>
+    <p:extLst>
+      <p:ext uri="{BB962C8B-B14F-4D97-AF65-F5344CB8AC3E}">
+        <p14:creationId xmlns:p14="http://schemas.microsoft.com/office/powerpoint/2010/main" val="1232948073"/>
       </p:ext>
     </p:extLst>
   </p:cSld>
@@ -3950,7 +3955,7 @@
         <p:txBody>
           <a:bodyPr/>
           <a:lstStyle>
-            <a:lvl1pPr defTabSz="914400" eaLnBrk="0" fontAlgn="base" hangingPunct="0">
+            <a:lvl1pPr defTabSz="1083747" eaLnBrk="0" fontAlgn="base" hangingPunct="0">
               <a:spcBef>
                 <a:spcPct val="0"/>
               </a:spcBef>
@@ -3971,54 +3976,9 @@
               <a:pPr>
                 <a:defRPr/>
               </a:pPr>
-              <a:t>12/30/2019</a:t>
+              <a:t>1/8/2020</a:t>
             </a:fld>
             <a:endParaRPr lang="en-US" dirty="0"/>
-          </a:p>
-        </p:txBody>
-      </p:sp>
-      <p:sp>
-        <p:nvSpPr>
-          <p:cNvPr id="5" name="Footer Placeholder 4"/>
-          <p:cNvSpPr>
-            <a:spLocks noGrp="1"/>
-          </p:cNvSpPr>
-          <p:nvPr>
-            <p:ph type="ftr" sz="quarter" idx="11"/>
-          </p:nvPr>
-        </p:nvSpPr>
-        <p:spPr>
-          <a:xfrm>
-            <a:off x="3514725" y="6356350"/>
-            <a:ext cx="3257550" cy="365125"/>
-          </a:xfrm>
-          <a:prstGeom prst="rect">
-            <a:avLst/>
-          </a:prstGeom>
-        </p:spPr>
-        <p:txBody>
-          <a:bodyPr/>
-          <a:lstStyle>
-            <a:lvl1pPr defTabSz="457200" eaLnBrk="1" fontAlgn="auto" hangingPunct="1">
-              <a:spcBef>
-                <a:spcPts val="0"/>
-              </a:spcBef>
-              <a:spcAft>
-                <a:spcPts val="0"/>
-              </a:spcAft>
-              <a:defRPr sz="1800">
-                <a:solidFill>
-                  <a:prstClr val="black"/>
-                </a:solidFill>
-                <a:latin typeface="Calibri"/>
-              </a:defRPr>
-            </a:lvl1pPr>
-          </a:lstStyle>
-          <a:p>
-            <a:pPr>
-              <a:defRPr/>
-            </a:pPr>
-            <a:endParaRPr lang="en-US"/>
           </a:p>
         </p:txBody>
       </p:sp>
@@ -4036,7 +3996,7 @@
         <p:txBody>
           <a:bodyPr/>
           <a:lstStyle>
-            <a:lvl1pPr defTabSz="914400" eaLnBrk="0" hangingPunct="0">
+            <a:lvl1pPr defTabSz="1083747" eaLnBrk="0" hangingPunct="0">
               <a:defRPr>
                 <a:latin typeface="Times New Roman" panose="02020603050405020304" pitchFamily="18" charset="0"/>
               </a:defRPr>
@@ -4099,15 +4059,15 @@
         </p:nvSpPr>
         <p:spPr>
           <a:xfrm>
-            <a:off x="812602" y="4406901"/>
-            <a:ext cx="8743950" cy="1362075"/>
+            <a:off x="963084" y="4406902"/>
+            <a:ext cx="10363200" cy="1362075"/>
           </a:xfrm>
         </p:spPr>
         <p:txBody>
           <a:bodyPr anchor="t"/>
           <a:lstStyle>
             <a:lvl1pPr algn="l">
-              <a:defRPr sz="4000" b="1" cap="all"/>
+              <a:defRPr sz="4741" b="1" cap="all"/>
             </a:lvl1pPr>
           </a:lstStyle>
           <a:p>
@@ -4131,8 +4091,8 @@
         </p:nvSpPr>
         <p:spPr>
           <a:xfrm>
-            <a:off x="812602" y="2906713"/>
-            <a:ext cx="8743950" cy="1500187"/>
+            <a:off x="963084" y="2906713"/>
+            <a:ext cx="10363200" cy="1500187"/>
           </a:xfrm>
         </p:spPr>
         <p:txBody>
@@ -4140,7 +4100,7 @@
           <a:lstStyle>
             <a:lvl1pPr marL="0" indent="0">
               <a:buNone/>
-              <a:defRPr sz="2000">
+              <a:defRPr sz="2370">
                 <a:solidFill>
                   <a:schemeClr val="tx1">
                     <a:tint val="75000"/>
@@ -4148,9 +4108,9 @@
                 </a:solidFill>
               </a:defRPr>
             </a:lvl1pPr>
-            <a:lvl2pPr marL="457200" indent="0">
+            <a:lvl2pPr marL="541873" indent="0">
               <a:buNone/>
-              <a:defRPr sz="1800">
+              <a:defRPr sz="2133">
                 <a:solidFill>
                   <a:schemeClr val="tx1">
                     <a:tint val="75000"/>
@@ -4158,9 +4118,9 @@
                 </a:solidFill>
               </a:defRPr>
             </a:lvl2pPr>
-            <a:lvl3pPr marL="914400" indent="0">
+            <a:lvl3pPr marL="1083747" indent="0">
               <a:buNone/>
-              <a:defRPr sz="1600">
+              <a:defRPr sz="1896">
                 <a:solidFill>
                   <a:schemeClr val="tx1">
                     <a:tint val="75000"/>
@@ -4168,9 +4128,9 @@
                 </a:solidFill>
               </a:defRPr>
             </a:lvl3pPr>
-            <a:lvl4pPr marL="1371600" indent="0">
+            <a:lvl4pPr marL="1625620" indent="0">
               <a:buNone/>
-              <a:defRPr sz="1400">
+              <a:defRPr sz="1659">
                 <a:solidFill>
                   <a:schemeClr val="tx1">
                     <a:tint val="75000"/>
@@ -4178,9 +4138,9 @@
                 </a:solidFill>
               </a:defRPr>
             </a:lvl4pPr>
-            <a:lvl5pPr marL="1828800" indent="0">
+            <a:lvl5pPr marL="2167494" indent="0">
               <a:buNone/>
-              <a:defRPr sz="1400">
+              <a:defRPr sz="1659">
                 <a:solidFill>
                   <a:schemeClr val="tx1">
                     <a:tint val="75000"/>
@@ -4188,9 +4148,9 @@
                 </a:solidFill>
               </a:defRPr>
             </a:lvl5pPr>
-            <a:lvl6pPr marL="2286000" indent="0">
+            <a:lvl6pPr marL="2709367" indent="0">
               <a:buNone/>
-              <a:defRPr sz="1400">
+              <a:defRPr sz="1659">
                 <a:solidFill>
                   <a:schemeClr val="tx1">
                     <a:tint val="75000"/>
@@ -4198,9 +4158,9 @@
                 </a:solidFill>
               </a:defRPr>
             </a:lvl6pPr>
-            <a:lvl7pPr marL="2743200" indent="0">
+            <a:lvl7pPr marL="3251241" indent="0">
               <a:buNone/>
-              <a:defRPr sz="1400">
+              <a:defRPr sz="1659">
                 <a:solidFill>
                   <a:schemeClr val="tx1">
                     <a:tint val="75000"/>
@@ -4208,9 +4168,9 @@
                 </a:solidFill>
               </a:defRPr>
             </a:lvl7pPr>
-            <a:lvl8pPr marL="3200400" indent="0">
+            <a:lvl8pPr marL="3793114" indent="0">
               <a:buNone/>
-              <a:defRPr sz="1400">
+              <a:defRPr sz="1659">
                 <a:solidFill>
                   <a:schemeClr val="tx1">
                     <a:tint val="75000"/>
@@ -4218,9 +4178,9 @@
                 </a:solidFill>
               </a:defRPr>
             </a:lvl8pPr>
-            <a:lvl9pPr marL="3657600" indent="0">
+            <a:lvl9pPr marL="4334988" indent="0">
               <a:buNone/>
-              <a:defRPr sz="1400">
+              <a:defRPr sz="1659">
                 <a:solidFill>
                   <a:schemeClr val="tx1">
                     <a:tint val="75000"/>
@@ -4252,7 +4212,7 @@
         <p:txBody>
           <a:bodyPr/>
           <a:lstStyle>
-            <a:lvl1pPr defTabSz="914400" eaLnBrk="0" fontAlgn="base" hangingPunct="0">
+            <a:lvl1pPr defTabSz="1083747" eaLnBrk="0" fontAlgn="base" hangingPunct="0">
               <a:spcBef>
                 <a:spcPct val="0"/>
               </a:spcBef>
@@ -4273,54 +4233,9 @@
               <a:pPr>
                 <a:defRPr/>
               </a:pPr>
-              <a:t>12/30/2019</a:t>
+              <a:t>1/8/2020</a:t>
             </a:fld>
             <a:endParaRPr lang="en-US" dirty="0"/>
-          </a:p>
-        </p:txBody>
-      </p:sp>
-      <p:sp>
-        <p:nvSpPr>
-          <p:cNvPr id="5" name="Footer Placeholder 4"/>
-          <p:cNvSpPr>
-            <a:spLocks noGrp="1"/>
-          </p:cNvSpPr>
-          <p:nvPr>
-            <p:ph type="ftr" sz="quarter" idx="11"/>
-          </p:nvPr>
-        </p:nvSpPr>
-        <p:spPr>
-          <a:xfrm>
-            <a:off x="3514725" y="6356350"/>
-            <a:ext cx="3257550" cy="365125"/>
-          </a:xfrm>
-          <a:prstGeom prst="rect">
-            <a:avLst/>
-          </a:prstGeom>
-        </p:spPr>
-        <p:txBody>
-          <a:bodyPr/>
-          <a:lstStyle>
-            <a:lvl1pPr defTabSz="457200" eaLnBrk="1" fontAlgn="auto" hangingPunct="1">
-              <a:spcBef>
-                <a:spcPts val="0"/>
-              </a:spcBef>
-              <a:spcAft>
-                <a:spcPts val="0"/>
-              </a:spcAft>
-              <a:defRPr sz="1800">
-                <a:solidFill>
-                  <a:prstClr val="black"/>
-                </a:solidFill>
-                <a:latin typeface="Calibri"/>
-              </a:defRPr>
-            </a:lvl1pPr>
-          </a:lstStyle>
-          <a:p>
-            <a:pPr>
-              <a:defRPr/>
-            </a:pPr>
-            <a:endParaRPr lang="en-US"/>
           </a:p>
         </p:txBody>
       </p:sp>
@@ -4338,7 +4253,7 @@
         <p:txBody>
           <a:bodyPr/>
           <a:lstStyle>
-            <a:lvl1pPr defTabSz="914400" eaLnBrk="0" hangingPunct="0">
+            <a:lvl1pPr defTabSz="1083747" eaLnBrk="0" hangingPunct="0">
               <a:defRPr>
                 <a:latin typeface="Times New Roman" panose="02020603050405020304" pitchFamily="18" charset="0"/>
               </a:defRPr>
@@ -4424,39 +4339,39 @@
         </p:nvSpPr>
         <p:spPr>
           <a:xfrm>
-            <a:off x="514350" y="1600201"/>
-            <a:ext cx="4543425" cy="4525963"/>
+            <a:off x="609601" y="1600202"/>
+            <a:ext cx="5384800" cy="4525963"/>
           </a:xfrm>
         </p:spPr>
         <p:txBody>
           <a:bodyPr/>
           <a:lstStyle>
             <a:lvl1pPr>
-              <a:defRPr sz="2800"/>
+              <a:defRPr sz="3319"/>
             </a:lvl1pPr>
             <a:lvl2pPr>
-              <a:defRPr sz="2400"/>
+              <a:defRPr sz="2844"/>
             </a:lvl2pPr>
             <a:lvl3pPr>
-              <a:defRPr sz="2000"/>
+              <a:defRPr sz="2370"/>
             </a:lvl3pPr>
             <a:lvl4pPr>
-              <a:defRPr sz="1800"/>
+              <a:defRPr sz="2133"/>
             </a:lvl4pPr>
             <a:lvl5pPr>
-              <a:defRPr sz="1800"/>
+              <a:defRPr sz="2133"/>
             </a:lvl5pPr>
             <a:lvl6pPr>
-              <a:defRPr sz="1800"/>
+              <a:defRPr sz="2133"/>
             </a:lvl6pPr>
             <a:lvl7pPr>
-              <a:defRPr sz="1800"/>
+              <a:defRPr sz="2133"/>
             </a:lvl7pPr>
             <a:lvl8pPr>
-              <a:defRPr sz="1800"/>
+              <a:defRPr sz="2133"/>
             </a:lvl8pPr>
             <a:lvl9pPr>
-              <a:defRPr sz="1800"/>
+              <a:defRPr sz="2133"/>
             </a:lvl9pPr>
           </a:lstStyle>
           <a:p>
@@ -4509,39 +4424,39 @@
         </p:nvSpPr>
         <p:spPr>
           <a:xfrm>
-            <a:off x="5229225" y="1600201"/>
-            <a:ext cx="4543425" cy="4525963"/>
+            <a:off x="6197601" y="1600202"/>
+            <a:ext cx="5384800" cy="4525963"/>
           </a:xfrm>
         </p:spPr>
         <p:txBody>
           <a:bodyPr/>
           <a:lstStyle>
             <a:lvl1pPr>
-              <a:defRPr sz="2800"/>
+              <a:defRPr sz="3319"/>
             </a:lvl1pPr>
             <a:lvl2pPr>
-              <a:defRPr sz="2400"/>
+              <a:defRPr sz="2844"/>
             </a:lvl2pPr>
             <a:lvl3pPr>
-              <a:defRPr sz="2000"/>
+              <a:defRPr sz="2370"/>
             </a:lvl3pPr>
             <a:lvl4pPr>
-              <a:defRPr sz="1800"/>
+              <a:defRPr sz="2133"/>
             </a:lvl4pPr>
             <a:lvl5pPr>
-              <a:defRPr sz="1800"/>
+              <a:defRPr sz="2133"/>
             </a:lvl5pPr>
             <a:lvl6pPr>
-              <a:defRPr sz="1800"/>
+              <a:defRPr sz="2133"/>
             </a:lvl6pPr>
             <a:lvl7pPr>
-              <a:defRPr sz="1800"/>
+              <a:defRPr sz="2133"/>
             </a:lvl7pPr>
             <a:lvl8pPr>
-              <a:defRPr sz="1800"/>
+              <a:defRPr sz="2133"/>
             </a:lvl8pPr>
             <a:lvl9pPr>
-              <a:defRPr sz="1800"/>
+              <a:defRPr sz="2133"/>
             </a:lvl9pPr>
           </a:lstStyle>
           <a:p>
@@ -4596,7 +4511,7 @@
         <p:txBody>
           <a:bodyPr/>
           <a:lstStyle>
-            <a:lvl1pPr defTabSz="914400" eaLnBrk="0" fontAlgn="base" hangingPunct="0">
+            <a:lvl1pPr defTabSz="1083747" eaLnBrk="0" fontAlgn="base" hangingPunct="0">
               <a:spcBef>
                 <a:spcPct val="0"/>
               </a:spcBef>
@@ -4617,54 +4532,9 @@
               <a:pPr>
                 <a:defRPr/>
               </a:pPr>
-              <a:t>12/30/2019</a:t>
+              <a:t>1/8/2020</a:t>
             </a:fld>
             <a:endParaRPr lang="en-US" dirty="0"/>
-          </a:p>
-        </p:txBody>
-      </p:sp>
-      <p:sp>
-        <p:nvSpPr>
-          <p:cNvPr id="6" name="Footer Placeholder 5"/>
-          <p:cNvSpPr>
-            <a:spLocks noGrp="1"/>
-          </p:cNvSpPr>
-          <p:nvPr>
-            <p:ph type="ftr" sz="quarter" idx="11"/>
-          </p:nvPr>
-        </p:nvSpPr>
-        <p:spPr>
-          <a:xfrm>
-            <a:off x="3514725" y="6356350"/>
-            <a:ext cx="3257550" cy="365125"/>
-          </a:xfrm>
-          <a:prstGeom prst="rect">
-            <a:avLst/>
-          </a:prstGeom>
-        </p:spPr>
-        <p:txBody>
-          <a:bodyPr/>
-          <a:lstStyle>
-            <a:lvl1pPr defTabSz="457200" eaLnBrk="1" fontAlgn="auto" hangingPunct="1">
-              <a:spcBef>
-                <a:spcPts val="0"/>
-              </a:spcBef>
-              <a:spcAft>
-                <a:spcPts val="0"/>
-              </a:spcAft>
-              <a:defRPr sz="1800">
-                <a:solidFill>
-                  <a:prstClr val="black"/>
-                </a:solidFill>
-                <a:latin typeface="Calibri"/>
-              </a:defRPr>
-            </a:lvl1pPr>
-          </a:lstStyle>
-          <a:p>
-            <a:pPr>
-              <a:defRPr/>
-            </a:pPr>
-            <a:endParaRPr lang="en-US"/>
           </a:p>
         </p:txBody>
       </p:sp>
@@ -4682,7 +4552,7 @@
         <p:txBody>
           <a:bodyPr/>
           <a:lstStyle>
-            <a:lvl1pPr defTabSz="914400" eaLnBrk="0" hangingPunct="0">
+            <a:lvl1pPr defTabSz="1083747" eaLnBrk="0" hangingPunct="0">
               <a:defRPr>
                 <a:latin typeface="Times New Roman" panose="02020603050405020304" pitchFamily="18" charset="0"/>
               </a:defRPr>
@@ -4772,8 +4642,8 @@
         </p:nvSpPr>
         <p:spPr>
           <a:xfrm>
-            <a:off x="514350" y="1535113"/>
-            <a:ext cx="4545212" cy="639762"/>
+            <a:off x="609600" y="1535113"/>
+            <a:ext cx="5386918" cy="639762"/>
           </a:xfrm>
         </p:spPr>
         <p:txBody>
@@ -4781,39 +4651,39 @@
           <a:lstStyle>
             <a:lvl1pPr marL="0" indent="0">
               <a:buNone/>
-              <a:defRPr sz="2400" b="1"/>
+              <a:defRPr sz="2844" b="1"/>
             </a:lvl1pPr>
-            <a:lvl2pPr marL="457200" indent="0">
+            <a:lvl2pPr marL="541873" indent="0">
               <a:buNone/>
-              <a:defRPr sz="2000" b="1"/>
+              <a:defRPr sz="2370" b="1"/>
             </a:lvl2pPr>
-            <a:lvl3pPr marL="914400" indent="0">
+            <a:lvl3pPr marL="1083747" indent="0">
               <a:buNone/>
-              <a:defRPr sz="1800" b="1"/>
+              <a:defRPr sz="2133" b="1"/>
             </a:lvl3pPr>
-            <a:lvl4pPr marL="1371600" indent="0">
+            <a:lvl4pPr marL="1625620" indent="0">
               <a:buNone/>
-              <a:defRPr sz="1600" b="1"/>
+              <a:defRPr sz="1896" b="1"/>
             </a:lvl4pPr>
-            <a:lvl5pPr marL="1828800" indent="0">
+            <a:lvl5pPr marL="2167494" indent="0">
               <a:buNone/>
-              <a:defRPr sz="1600" b="1"/>
+              <a:defRPr sz="1896" b="1"/>
             </a:lvl5pPr>
-            <a:lvl6pPr marL="2286000" indent="0">
+            <a:lvl6pPr marL="2709367" indent="0">
               <a:buNone/>
-              <a:defRPr sz="1600" b="1"/>
+              <a:defRPr sz="1896" b="1"/>
             </a:lvl6pPr>
-            <a:lvl7pPr marL="2743200" indent="0">
+            <a:lvl7pPr marL="3251241" indent="0">
               <a:buNone/>
-              <a:defRPr sz="1600" b="1"/>
+              <a:defRPr sz="1896" b="1"/>
             </a:lvl7pPr>
-            <a:lvl8pPr marL="3200400" indent="0">
+            <a:lvl8pPr marL="3793114" indent="0">
               <a:buNone/>
-              <a:defRPr sz="1600" b="1"/>
+              <a:defRPr sz="1896" b="1"/>
             </a:lvl8pPr>
-            <a:lvl9pPr marL="3657600" indent="0">
+            <a:lvl9pPr marL="4334988" indent="0">
               <a:buNone/>
-              <a:defRPr sz="1600" b="1"/>
+              <a:defRPr sz="1896" b="1"/>
             </a:lvl9pPr>
           </a:lstStyle>
           <a:p>
@@ -4837,39 +4707,39 @@
         </p:nvSpPr>
         <p:spPr>
           <a:xfrm>
-            <a:off x="514350" y="2174875"/>
-            <a:ext cx="4545212" cy="3951288"/>
+            <a:off x="609600" y="2174875"/>
+            <a:ext cx="5386918" cy="3951288"/>
           </a:xfrm>
         </p:spPr>
         <p:txBody>
           <a:bodyPr/>
           <a:lstStyle>
             <a:lvl1pPr>
-              <a:defRPr sz="2400"/>
+              <a:defRPr sz="2844"/>
             </a:lvl1pPr>
             <a:lvl2pPr>
-              <a:defRPr sz="2000"/>
+              <a:defRPr sz="2370"/>
             </a:lvl2pPr>
             <a:lvl3pPr>
-              <a:defRPr sz="1800"/>
+              <a:defRPr sz="2133"/>
             </a:lvl3pPr>
             <a:lvl4pPr>
-              <a:defRPr sz="1600"/>
+              <a:defRPr sz="1896"/>
             </a:lvl4pPr>
             <a:lvl5pPr>
-              <a:defRPr sz="1600"/>
+              <a:defRPr sz="1896"/>
             </a:lvl5pPr>
             <a:lvl6pPr>
-              <a:defRPr sz="1600"/>
+              <a:defRPr sz="1896"/>
             </a:lvl6pPr>
             <a:lvl7pPr>
-              <a:defRPr sz="1600"/>
+              <a:defRPr sz="1896"/>
             </a:lvl7pPr>
             <a:lvl8pPr>
-              <a:defRPr sz="1600"/>
+              <a:defRPr sz="1896"/>
             </a:lvl8pPr>
             <a:lvl9pPr>
-              <a:defRPr sz="1600"/>
+              <a:defRPr sz="1896"/>
             </a:lvl9pPr>
           </a:lstStyle>
           <a:p>
@@ -4922,8 +4792,8 @@
         </p:nvSpPr>
         <p:spPr>
           <a:xfrm>
-            <a:off x="5225654" y="1535113"/>
-            <a:ext cx="4546997" cy="639762"/>
+            <a:off x="6193369" y="1535113"/>
+            <a:ext cx="5389033" cy="639762"/>
           </a:xfrm>
         </p:spPr>
         <p:txBody>
@@ -4931,39 +4801,39 @@
           <a:lstStyle>
             <a:lvl1pPr marL="0" indent="0">
               <a:buNone/>
-              <a:defRPr sz="2400" b="1"/>
+              <a:defRPr sz="2844" b="1"/>
             </a:lvl1pPr>
-            <a:lvl2pPr marL="457200" indent="0">
+            <a:lvl2pPr marL="541873" indent="0">
               <a:buNone/>
-              <a:defRPr sz="2000" b="1"/>
+              <a:defRPr sz="2370" b="1"/>
             </a:lvl2pPr>
-            <a:lvl3pPr marL="914400" indent="0">
+            <a:lvl3pPr marL="1083747" indent="0">
               <a:buNone/>
-              <a:defRPr sz="1800" b="1"/>
+              <a:defRPr sz="2133" b="1"/>
             </a:lvl3pPr>
-            <a:lvl4pPr marL="1371600" indent="0">
+            <a:lvl4pPr marL="1625620" indent="0">
               <a:buNone/>
-              <a:defRPr sz="1600" b="1"/>
+              <a:defRPr sz="1896" b="1"/>
             </a:lvl4pPr>
-            <a:lvl5pPr marL="1828800" indent="0">
+            <a:lvl5pPr marL="2167494" indent="0">
               <a:buNone/>
-              <a:defRPr sz="1600" b="1"/>
+              <a:defRPr sz="1896" b="1"/>
             </a:lvl5pPr>
-            <a:lvl6pPr marL="2286000" indent="0">
+            <a:lvl6pPr marL="2709367" indent="0">
               <a:buNone/>
-              <a:defRPr sz="1600" b="1"/>
+              <a:defRPr sz="1896" b="1"/>
             </a:lvl6pPr>
-            <a:lvl7pPr marL="2743200" indent="0">
+            <a:lvl7pPr marL="3251241" indent="0">
               <a:buNone/>
-              <a:defRPr sz="1600" b="1"/>
+              <a:defRPr sz="1896" b="1"/>
             </a:lvl7pPr>
-            <a:lvl8pPr marL="3200400" indent="0">
+            <a:lvl8pPr marL="3793114" indent="0">
               <a:buNone/>
-              <a:defRPr sz="1600" b="1"/>
+              <a:defRPr sz="1896" b="1"/>
             </a:lvl8pPr>
-            <a:lvl9pPr marL="3657600" indent="0">
+            <a:lvl9pPr marL="4334988" indent="0">
               <a:buNone/>
-              <a:defRPr sz="1600" b="1"/>
+              <a:defRPr sz="1896" b="1"/>
             </a:lvl9pPr>
           </a:lstStyle>
           <a:p>
@@ -4987,39 +4857,39 @@
         </p:nvSpPr>
         <p:spPr>
           <a:xfrm>
-            <a:off x="5225654" y="2174875"/>
-            <a:ext cx="4546997" cy="3951288"/>
+            <a:off x="6193369" y="2174875"/>
+            <a:ext cx="5389033" cy="3951288"/>
           </a:xfrm>
         </p:spPr>
         <p:txBody>
           <a:bodyPr/>
           <a:lstStyle>
             <a:lvl1pPr>
-              <a:defRPr sz="2400"/>
+              <a:defRPr sz="2844"/>
             </a:lvl1pPr>
             <a:lvl2pPr>
-              <a:defRPr sz="2000"/>
+              <a:defRPr sz="2370"/>
             </a:lvl2pPr>
             <a:lvl3pPr>
-              <a:defRPr sz="1800"/>
+              <a:defRPr sz="2133"/>
             </a:lvl3pPr>
             <a:lvl4pPr>
-              <a:defRPr sz="1600"/>
+              <a:defRPr sz="1896"/>
             </a:lvl4pPr>
             <a:lvl5pPr>
-              <a:defRPr sz="1600"/>
+              <a:defRPr sz="1896"/>
             </a:lvl5pPr>
             <a:lvl6pPr>
-              <a:defRPr sz="1600"/>
+              <a:defRPr sz="1896"/>
             </a:lvl6pPr>
             <a:lvl7pPr>
-              <a:defRPr sz="1600"/>
+              <a:defRPr sz="1896"/>
             </a:lvl7pPr>
             <a:lvl8pPr>
-              <a:defRPr sz="1600"/>
+              <a:defRPr sz="1896"/>
             </a:lvl8pPr>
             <a:lvl9pPr>
-              <a:defRPr sz="1600"/>
+              <a:defRPr sz="1896"/>
             </a:lvl9pPr>
           </a:lstStyle>
           <a:p>
@@ -5074,7 +4944,7 @@
         <p:txBody>
           <a:bodyPr/>
           <a:lstStyle>
-            <a:lvl1pPr defTabSz="914400" eaLnBrk="0" fontAlgn="base" hangingPunct="0">
+            <a:lvl1pPr defTabSz="1083747" eaLnBrk="0" fontAlgn="base" hangingPunct="0">
               <a:spcBef>
                 <a:spcPct val="0"/>
               </a:spcBef>
@@ -5095,54 +4965,9 @@
               <a:pPr>
                 <a:defRPr/>
               </a:pPr>
-              <a:t>12/30/2019</a:t>
+              <a:t>1/8/2020</a:t>
             </a:fld>
             <a:endParaRPr lang="en-US" dirty="0"/>
-          </a:p>
-        </p:txBody>
-      </p:sp>
-      <p:sp>
-        <p:nvSpPr>
-          <p:cNvPr id="8" name="Footer Placeholder 7"/>
-          <p:cNvSpPr>
-            <a:spLocks noGrp="1"/>
-          </p:cNvSpPr>
-          <p:nvPr>
-            <p:ph type="ftr" sz="quarter" idx="11"/>
-          </p:nvPr>
-        </p:nvSpPr>
-        <p:spPr>
-          <a:xfrm>
-            <a:off x="3514725" y="6356350"/>
-            <a:ext cx="3257550" cy="365125"/>
-          </a:xfrm>
-          <a:prstGeom prst="rect">
-            <a:avLst/>
-          </a:prstGeom>
-        </p:spPr>
-        <p:txBody>
-          <a:bodyPr/>
-          <a:lstStyle>
-            <a:lvl1pPr defTabSz="457200" eaLnBrk="1" fontAlgn="auto" hangingPunct="1">
-              <a:spcBef>
-                <a:spcPts val="0"/>
-              </a:spcBef>
-              <a:spcAft>
-                <a:spcPts val="0"/>
-              </a:spcAft>
-              <a:defRPr sz="1800">
-                <a:solidFill>
-                  <a:prstClr val="black"/>
-                </a:solidFill>
-                <a:latin typeface="Calibri"/>
-              </a:defRPr>
-            </a:lvl1pPr>
-          </a:lstStyle>
-          <a:p>
-            <a:pPr>
-              <a:defRPr/>
-            </a:pPr>
-            <a:endParaRPr lang="en-US"/>
           </a:p>
         </p:txBody>
       </p:sp>
@@ -5160,7 +4985,7 @@
         <p:txBody>
           <a:bodyPr/>
           <a:lstStyle>
-            <a:lvl1pPr defTabSz="914400" eaLnBrk="0" hangingPunct="0">
+            <a:lvl1pPr defTabSz="1083747" eaLnBrk="0" hangingPunct="0">
               <a:defRPr>
                 <a:latin typeface="Times New Roman" panose="02020603050405020304" pitchFamily="18" charset="0"/>
               </a:defRPr>
@@ -5248,7 +5073,7 @@
         <p:txBody>
           <a:bodyPr/>
           <a:lstStyle>
-            <a:lvl1pPr defTabSz="914400" eaLnBrk="0" fontAlgn="base" hangingPunct="0">
+            <a:lvl1pPr defTabSz="1083747" eaLnBrk="0" fontAlgn="base" hangingPunct="0">
               <a:spcBef>
                 <a:spcPct val="0"/>
               </a:spcBef>
@@ -5269,54 +5094,9 @@
               <a:pPr>
                 <a:defRPr/>
               </a:pPr>
-              <a:t>12/30/2019</a:t>
+              <a:t>1/8/2020</a:t>
             </a:fld>
             <a:endParaRPr lang="en-US" dirty="0"/>
-          </a:p>
-        </p:txBody>
-      </p:sp>
-      <p:sp>
-        <p:nvSpPr>
-          <p:cNvPr id="4" name="Footer Placeholder 3"/>
-          <p:cNvSpPr>
-            <a:spLocks noGrp="1"/>
-          </p:cNvSpPr>
-          <p:nvPr>
-            <p:ph type="ftr" sz="quarter" idx="11"/>
-          </p:nvPr>
-        </p:nvSpPr>
-        <p:spPr>
-          <a:xfrm>
-            <a:off x="3514725" y="6356350"/>
-            <a:ext cx="3257550" cy="365125"/>
-          </a:xfrm>
-          <a:prstGeom prst="rect">
-            <a:avLst/>
-          </a:prstGeom>
-        </p:spPr>
-        <p:txBody>
-          <a:bodyPr/>
-          <a:lstStyle>
-            <a:lvl1pPr defTabSz="457200" eaLnBrk="1" fontAlgn="auto" hangingPunct="1">
-              <a:spcBef>
-                <a:spcPts val="0"/>
-              </a:spcBef>
-              <a:spcAft>
-                <a:spcPts val="0"/>
-              </a:spcAft>
-              <a:defRPr sz="1800">
-                <a:solidFill>
-                  <a:prstClr val="black"/>
-                </a:solidFill>
-                <a:latin typeface="Calibri"/>
-              </a:defRPr>
-            </a:lvl1pPr>
-          </a:lstStyle>
-          <a:p>
-            <a:pPr>
-              <a:defRPr/>
-            </a:pPr>
-            <a:endParaRPr lang="en-US"/>
           </a:p>
         </p:txBody>
       </p:sp>
@@ -5334,7 +5114,7 @@
         <p:txBody>
           <a:bodyPr/>
           <a:lstStyle>
-            <a:lvl1pPr defTabSz="914400" eaLnBrk="0" hangingPunct="0">
+            <a:lvl1pPr defTabSz="1083747" eaLnBrk="0" hangingPunct="0">
               <a:defRPr>
                 <a:latin typeface="Times New Roman" panose="02020603050405020304" pitchFamily="18" charset="0"/>
               </a:defRPr>
@@ -5399,7 +5179,7 @@
         <p:txBody>
           <a:bodyPr/>
           <a:lstStyle>
-            <a:lvl1pPr defTabSz="914400" eaLnBrk="0" fontAlgn="base" hangingPunct="0">
+            <a:lvl1pPr defTabSz="1083747" eaLnBrk="0" fontAlgn="base" hangingPunct="0">
               <a:spcBef>
                 <a:spcPct val="0"/>
               </a:spcBef>
@@ -5420,54 +5200,9 @@
               <a:pPr>
                 <a:defRPr/>
               </a:pPr>
-              <a:t>12/30/2019</a:t>
+              <a:t>1/8/2020</a:t>
             </a:fld>
             <a:endParaRPr lang="en-US" dirty="0"/>
-          </a:p>
-        </p:txBody>
-      </p:sp>
-      <p:sp>
-        <p:nvSpPr>
-          <p:cNvPr id="3" name="Footer Placeholder 2"/>
-          <p:cNvSpPr>
-            <a:spLocks noGrp="1"/>
-          </p:cNvSpPr>
-          <p:nvPr>
-            <p:ph type="ftr" sz="quarter" idx="11"/>
-          </p:nvPr>
-        </p:nvSpPr>
-        <p:spPr>
-          <a:xfrm>
-            <a:off x="3514725" y="6356350"/>
-            <a:ext cx="3257550" cy="365125"/>
-          </a:xfrm>
-          <a:prstGeom prst="rect">
-            <a:avLst/>
-          </a:prstGeom>
-        </p:spPr>
-        <p:txBody>
-          <a:bodyPr/>
-          <a:lstStyle>
-            <a:lvl1pPr defTabSz="457200" eaLnBrk="1" fontAlgn="auto" hangingPunct="1">
-              <a:spcBef>
-                <a:spcPts val="0"/>
-              </a:spcBef>
-              <a:spcAft>
-                <a:spcPts val="0"/>
-              </a:spcAft>
-              <a:defRPr sz="1800">
-                <a:solidFill>
-                  <a:prstClr val="black"/>
-                </a:solidFill>
-                <a:latin typeface="Calibri"/>
-              </a:defRPr>
-            </a:lvl1pPr>
-          </a:lstStyle>
-          <a:p>
-            <a:pPr>
-              <a:defRPr/>
-            </a:pPr>
-            <a:endParaRPr lang="en-US"/>
           </a:p>
         </p:txBody>
       </p:sp>
@@ -5485,7 +5220,7 @@
         <p:txBody>
           <a:bodyPr/>
           <a:lstStyle>
-            <a:lvl1pPr defTabSz="914400" eaLnBrk="0" hangingPunct="0">
+            <a:lvl1pPr defTabSz="1083747" eaLnBrk="0" hangingPunct="0">
               <a:defRPr>
                 <a:latin typeface="Times New Roman" panose="02020603050405020304" pitchFamily="18" charset="0"/>
               </a:defRPr>
@@ -5548,15 +5283,15 @@
         </p:nvSpPr>
         <p:spPr>
           <a:xfrm>
-            <a:off x="514351" y="273050"/>
-            <a:ext cx="3384352" cy="1162050"/>
+            <a:off x="609601" y="273050"/>
+            <a:ext cx="4011084" cy="1162050"/>
           </a:xfrm>
         </p:spPr>
         <p:txBody>
           <a:bodyPr anchor="b"/>
           <a:lstStyle>
             <a:lvl1pPr algn="l">
-              <a:defRPr sz="2000" b="1"/>
+              <a:defRPr sz="2370" b="1"/>
             </a:lvl1pPr>
           </a:lstStyle>
           <a:p>
@@ -5580,39 +5315,39 @@
         </p:nvSpPr>
         <p:spPr>
           <a:xfrm>
-            <a:off x="4021931" y="273051"/>
-            <a:ext cx="5750719" cy="5853113"/>
+            <a:off x="4766734" y="273052"/>
+            <a:ext cx="6815667" cy="5853113"/>
           </a:xfrm>
         </p:spPr>
         <p:txBody>
           <a:bodyPr/>
           <a:lstStyle>
             <a:lvl1pPr>
-              <a:defRPr sz="3200"/>
+              <a:defRPr sz="3793"/>
             </a:lvl1pPr>
             <a:lvl2pPr>
-              <a:defRPr sz="2800"/>
+              <a:defRPr sz="3319"/>
             </a:lvl2pPr>
             <a:lvl3pPr>
-              <a:defRPr sz="2400"/>
+              <a:defRPr sz="2844"/>
             </a:lvl3pPr>
             <a:lvl4pPr>
-              <a:defRPr sz="2000"/>
+              <a:defRPr sz="2370"/>
             </a:lvl4pPr>
             <a:lvl5pPr>
-              <a:defRPr sz="2000"/>
+              <a:defRPr sz="2370"/>
             </a:lvl5pPr>
             <a:lvl6pPr>
-              <a:defRPr sz="2000"/>
+              <a:defRPr sz="2370"/>
             </a:lvl6pPr>
             <a:lvl7pPr>
-              <a:defRPr sz="2000"/>
+              <a:defRPr sz="2370"/>
             </a:lvl7pPr>
             <a:lvl8pPr>
-              <a:defRPr sz="2000"/>
+              <a:defRPr sz="2370"/>
             </a:lvl8pPr>
             <a:lvl9pPr>
-              <a:defRPr sz="2000"/>
+              <a:defRPr sz="2370"/>
             </a:lvl9pPr>
           </a:lstStyle>
           <a:p>
@@ -5665,8 +5400,8 @@
         </p:nvSpPr>
         <p:spPr>
           <a:xfrm>
-            <a:off x="514351" y="1435101"/>
-            <a:ext cx="3384352" cy="4691063"/>
+            <a:off x="609601" y="1435102"/>
+            <a:ext cx="4011084" cy="4691063"/>
           </a:xfrm>
         </p:spPr>
         <p:txBody>
@@ -5674,39 +5409,39 @@
           <a:lstStyle>
             <a:lvl1pPr marL="0" indent="0">
               <a:buNone/>
-              <a:defRPr sz="1400"/>
+              <a:defRPr sz="1659"/>
             </a:lvl1pPr>
-            <a:lvl2pPr marL="457200" indent="0">
+            <a:lvl2pPr marL="541873" indent="0">
               <a:buNone/>
-              <a:defRPr sz="1200"/>
+              <a:defRPr sz="1422"/>
             </a:lvl2pPr>
-            <a:lvl3pPr marL="914400" indent="0">
+            <a:lvl3pPr marL="1083747" indent="0">
               <a:buNone/>
-              <a:defRPr sz="1000"/>
+              <a:defRPr sz="1185"/>
             </a:lvl3pPr>
-            <a:lvl4pPr marL="1371600" indent="0">
+            <a:lvl4pPr marL="1625620" indent="0">
               <a:buNone/>
-              <a:defRPr sz="900"/>
+              <a:defRPr sz="1067"/>
             </a:lvl4pPr>
-            <a:lvl5pPr marL="1828800" indent="0">
+            <a:lvl5pPr marL="2167494" indent="0">
               <a:buNone/>
-              <a:defRPr sz="900"/>
+              <a:defRPr sz="1067"/>
             </a:lvl5pPr>
-            <a:lvl6pPr marL="2286000" indent="0">
+            <a:lvl6pPr marL="2709367" indent="0">
               <a:buNone/>
-              <a:defRPr sz="900"/>
+              <a:defRPr sz="1067"/>
             </a:lvl6pPr>
-            <a:lvl7pPr marL="2743200" indent="0">
+            <a:lvl7pPr marL="3251241" indent="0">
               <a:buNone/>
-              <a:defRPr sz="900"/>
+              <a:defRPr sz="1067"/>
             </a:lvl7pPr>
-            <a:lvl8pPr marL="3200400" indent="0">
+            <a:lvl8pPr marL="3793114" indent="0">
               <a:buNone/>
-              <a:defRPr sz="900"/>
+              <a:defRPr sz="1067"/>
             </a:lvl8pPr>
-            <a:lvl9pPr marL="3657600" indent="0">
+            <a:lvl9pPr marL="4334988" indent="0">
               <a:buNone/>
-              <a:defRPr sz="900"/>
+              <a:defRPr sz="1067"/>
             </a:lvl9pPr>
           </a:lstStyle>
           <a:p>
@@ -5732,7 +5467,7 @@
         <p:txBody>
           <a:bodyPr/>
           <a:lstStyle>
-            <a:lvl1pPr defTabSz="914400" eaLnBrk="0" fontAlgn="base" hangingPunct="0">
+            <a:lvl1pPr defTabSz="1083747" eaLnBrk="0" fontAlgn="base" hangingPunct="0">
               <a:spcBef>
                 <a:spcPct val="0"/>
               </a:spcBef>
@@ -5753,54 +5488,9 @@
               <a:pPr>
                 <a:defRPr/>
               </a:pPr>
-              <a:t>12/30/2019</a:t>
+              <a:t>1/8/2020</a:t>
             </a:fld>
             <a:endParaRPr lang="en-US" dirty="0"/>
-          </a:p>
-        </p:txBody>
-      </p:sp>
-      <p:sp>
-        <p:nvSpPr>
-          <p:cNvPr id="6" name="Footer Placeholder 5"/>
-          <p:cNvSpPr>
-            <a:spLocks noGrp="1"/>
-          </p:cNvSpPr>
-          <p:nvPr>
-            <p:ph type="ftr" sz="quarter" idx="11"/>
-          </p:nvPr>
-        </p:nvSpPr>
-        <p:spPr>
-          <a:xfrm>
-            <a:off x="3514725" y="6356350"/>
-            <a:ext cx="3257550" cy="365125"/>
-          </a:xfrm>
-          <a:prstGeom prst="rect">
-            <a:avLst/>
-          </a:prstGeom>
-        </p:spPr>
-        <p:txBody>
-          <a:bodyPr/>
-          <a:lstStyle>
-            <a:lvl1pPr defTabSz="457200" eaLnBrk="1" fontAlgn="auto" hangingPunct="1">
-              <a:spcBef>
-                <a:spcPts val="0"/>
-              </a:spcBef>
-              <a:spcAft>
-                <a:spcPts val="0"/>
-              </a:spcAft>
-              <a:defRPr sz="1800">
-                <a:solidFill>
-                  <a:prstClr val="black"/>
-                </a:solidFill>
-                <a:latin typeface="Calibri"/>
-              </a:defRPr>
-            </a:lvl1pPr>
-          </a:lstStyle>
-          <a:p>
-            <a:pPr>
-              <a:defRPr/>
-            </a:pPr>
-            <a:endParaRPr lang="en-US"/>
           </a:p>
         </p:txBody>
       </p:sp>
@@ -5818,7 +5508,7 @@
         <p:txBody>
           <a:bodyPr/>
           <a:lstStyle>
-            <a:lvl1pPr defTabSz="914400" eaLnBrk="0" hangingPunct="0">
+            <a:lvl1pPr defTabSz="1083747" eaLnBrk="0" hangingPunct="0">
               <a:defRPr>
                 <a:latin typeface="Times New Roman" panose="02020603050405020304" pitchFamily="18" charset="0"/>
               </a:defRPr>
@@ -5881,15 +5571,15 @@
         </p:nvSpPr>
         <p:spPr>
           <a:xfrm>
-            <a:off x="2016324" y="4800600"/>
-            <a:ext cx="6172200" cy="566738"/>
+            <a:off x="2389717" y="4800600"/>
+            <a:ext cx="7315200" cy="566738"/>
           </a:xfrm>
         </p:spPr>
         <p:txBody>
           <a:bodyPr anchor="b"/>
           <a:lstStyle>
             <a:lvl1pPr algn="l">
-              <a:defRPr sz="2000" b="1"/>
+              <a:defRPr sz="2370" b="1"/>
             </a:lvl1pPr>
           </a:lstStyle>
           <a:p>
@@ -5913,8 +5603,8 @@
         </p:nvSpPr>
         <p:spPr>
           <a:xfrm>
-            <a:off x="2016324" y="1600219"/>
-            <a:ext cx="6172200" cy="3127355"/>
+            <a:off x="2389717" y="1600220"/>
+            <a:ext cx="7315200" cy="3127355"/>
           </a:xfrm>
         </p:spPr>
         <p:txBody>
@@ -5924,39 +5614,39 @@
           <a:lstStyle>
             <a:lvl1pPr marL="0" indent="0">
               <a:buNone/>
-              <a:defRPr sz="3200"/>
+              <a:defRPr sz="3793"/>
             </a:lvl1pPr>
-            <a:lvl2pPr marL="457200" indent="0">
+            <a:lvl2pPr marL="541873" indent="0">
               <a:buNone/>
-              <a:defRPr sz="2800"/>
+              <a:defRPr sz="3319"/>
             </a:lvl2pPr>
-            <a:lvl3pPr marL="914400" indent="0">
+            <a:lvl3pPr marL="1083747" indent="0">
               <a:buNone/>
-              <a:defRPr sz="2400"/>
+              <a:defRPr sz="2844"/>
             </a:lvl3pPr>
-            <a:lvl4pPr marL="1371600" indent="0">
+            <a:lvl4pPr marL="1625620" indent="0">
               <a:buNone/>
-              <a:defRPr sz="2000"/>
+              <a:defRPr sz="2370"/>
             </a:lvl4pPr>
-            <a:lvl5pPr marL="1828800" indent="0">
+            <a:lvl5pPr marL="2167494" indent="0">
               <a:buNone/>
-              <a:defRPr sz="2000"/>
+              <a:defRPr sz="2370"/>
             </a:lvl5pPr>
-            <a:lvl6pPr marL="2286000" indent="0">
+            <a:lvl6pPr marL="2709367" indent="0">
               <a:buNone/>
-              <a:defRPr sz="2000"/>
+              <a:defRPr sz="2370"/>
             </a:lvl6pPr>
-            <a:lvl7pPr marL="2743200" indent="0">
+            <a:lvl7pPr marL="3251241" indent="0">
               <a:buNone/>
-              <a:defRPr sz="2000"/>
+              <a:defRPr sz="2370"/>
             </a:lvl7pPr>
-            <a:lvl8pPr marL="3200400" indent="0">
+            <a:lvl8pPr marL="3793114" indent="0">
               <a:buNone/>
-              <a:defRPr sz="2000"/>
+              <a:defRPr sz="2370"/>
             </a:lvl8pPr>
-            <a:lvl9pPr marL="3657600" indent="0">
+            <a:lvl9pPr marL="4334988" indent="0">
               <a:buNone/>
-              <a:defRPr sz="2000"/>
+              <a:defRPr sz="2370"/>
             </a:lvl9pPr>
           </a:lstStyle>
           <a:p>
@@ -5977,8 +5667,8 @@
         </p:nvSpPr>
         <p:spPr>
           <a:xfrm>
-            <a:off x="2016324" y="5367338"/>
-            <a:ext cx="6172200" cy="804862"/>
+            <a:off x="2389717" y="5367338"/>
+            <a:ext cx="7315200" cy="804862"/>
           </a:xfrm>
         </p:spPr>
         <p:txBody>
@@ -5986,39 +5676,39 @@
           <a:lstStyle>
             <a:lvl1pPr marL="0" indent="0">
               <a:buNone/>
-              <a:defRPr sz="1400"/>
+              <a:defRPr sz="1659"/>
             </a:lvl1pPr>
-            <a:lvl2pPr marL="457200" indent="0">
+            <a:lvl2pPr marL="541873" indent="0">
               <a:buNone/>
-              <a:defRPr sz="1200"/>
+              <a:defRPr sz="1422"/>
             </a:lvl2pPr>
-            <a:lvl3pPr marL="914400" indent="0">
+            <a:lvl3pPr marL="1083747" indent="0">
               <a:buNone/>
-              <a:defRPr sz="1000"/>
+              <a:defRPr sz="1185"/>
             </a:lvl3pPr>
-            <a:lvl4pPr marL="1371600" indent="0">
+            <a:lvl4pPr marL="1625620" indent="0">
               <a:buNone/>
-              <a:defRPr sz="900"/>
+              <a:defRPr sz="1067"/>
             </a:lvl4pPr>
-            <a:lvl5pPr marL="1828800" indent="0">
+            <a:lvl5pPr marL="2167494" indent="0">
               <a:buNone/>
-              <a:defRPr sz="900"/>
+              <a:defRPr sz="1067"/>
             </a:lvl5pPr>
-            <a:lvl6pPr marL="2286000" indent="0">
+            <a:lvl6pPr marL="2709367" indent="0">
               <a:buNone/>
-              <a:defRPr sz="900"/>
+              <a:defRPr sz="1067"/>
             </a:lvl6pPr>
-            <a:lvl7pPr marL="2743200" indent="0">
+            <a:lvl7pPr marL="3251241" indent="0">
               <a:buNone/>
-              <a:defRPr sz="900"/>
+              <a:defRPr sz="1067"/>
             </a:lvl7pPr>
-            <a:lvl8pPr marL="3200400" indent="0">
+            <a:lvl8pPr marL="3793114" indent="0">
               <a:buNone/>
-              <a:defRPr sz="900"/>
+              <a:defRPr sz="1067"/>
             </a:lvl8pPr>
-            <a:lvl9pPr marL="3657600" indent="0">
+            <a:lvl9pPr marL="4334988" indent="0">
               <a:buNone/>
-              <a:defRPr sz="900"/>
+              <a:defRPr sz="1067"/>
             </a:lvl9pPr>
           </a:lstStyle>
           <a:p>
@@ -6044,7 +5734,7 @@
         <p:txBody>
           <a:bodyPr/>
           <a:lstStyle>
-            <a:lvl1pPr defTabSz="914400" eaLnBrk="0" fontAlgn="base" hangingPunct="0">
+            <a:lvl1pPr defTabSz="1083747" eaLnBrk="0" fontAlgn="base" hangingPunct="0">
               <a:spcBef>
                 <a:spcPct val="0"/>
               </a:spcBef>
@@ -6065,54 +5755,9 @@
               <a:pPr>
                 <a:defRPr/>
               </a:pPr>
-              <a:t>12/30/2019</a:t>
+              <a:t>1/8/2020</a:t>
             </a:fld>
             <a:endParaRPr lang="en-US" dirty="0"/>
-          </a:p>
-        </p:txBody>
-      </p:sp>
-      <p:sp>
-        <p:nvSpPr>
-          <p:cNvPr id="6" name="Footer Placeholder 5"/>
-          <p:cNvSpPr>
-            <a:spLocks noGrp="1"/>
-          </p:cNvSpPr>
-          <p:nvPr>
-            <p:ph type="ftr" sz="quarter" idx="11"/>
-          </p:nvPr>
-        </p:nvSpPr>
-        <p:spPr>
-          <a:xfrm>
-            <a:off x="3514725" y="6356350"/>
-            <a:ext cx="3257550" cy="365125"/>
-          </a:xfrm>
-          <a:prstGeom prst="rect">
-            <a:avLst/>
-          </a:prstGeom>
-        </p:spPr>
-        <p:txBody>
-          <a:bodyPr/>
-          <a:lstStyle>
-            <a:lvl1pPr defTabSz="457200" eaLnBrk="1" fontAlgn="auto" hangingPunct="1">
-              <a:spcBef>
-                <a:spcPts val="0"/>
-              </a:spcBef>
-              <a:spcAft>
-                <a:spcPts val="0"/>
-              </a:spcAft>
-              <a:defRPr sz="1800">
-                <a:solidFill>
-                  <a:prstClr val="black"/>
-                </a:solidFill>
-                <a:latin typeface="Calibri"/>
-              </a:defRPr>
-            </a:lvl1pPr>
-          </a:lstStyle>
-          <a:p>
-            <a:pPr>
-              <a:defRPr/>
-            </a:pPr>
-            <a:endParaRPr lang="en-US"/>
           </a:p>
         </p:txBody>
       </p:sp>
@@ -6130,7 +5775,7 @@
         <p:txBody>
           <a:bodyPr/>
           <a:lstStyle>
-            <a:lvl1pPr defTabSz="914400" eaLnBrk="0" hangingPunct="0">
+            <a:lvl1pPr defTabSz="1083747" eaLnBrk="0" hangingPunct="0">
               <a:defRPr>
                 <a:latin typeface="Times New Roman" panose="02020603050405020304" pitchFamily="18" charset="0"/>
               </a:defRPr>
@@ -6201,8 +5846,8 @@
         </p:nvSpPr>
         <p:spPr bwMode="auto">
           <a:xfrm>
-            <a:off x="2400330" y="274639"/>
-            <a:ext cx="7372320" cy="927280"/>
+            <a:off x="2438440" y="274639"/>
+            <a:ext cx="9143960" cy="927280"/>
           </a:xfrm>
           <a:prstGeom prst="rect">
             <a:avLst/>
@@ -6259,8 +5904,8 @@
         </p:nvSpPr>
         <p:spPr bwMode="auto">
           <a:xfrm>
-            <a:off x="514350" y="1633192"/>
-            <a:ext cx="9258300" cy="4721856"/>
+            <a:off x="609600" y="1508781"/>
+            <a:ext cx="10972800" cy="4846267"/>
           </a:xfrm>
           <a:prstGeom prst="rect">
             <a:avLst/>
@@ -6345,8 +5990,8 @@
         </p:nvSpPr>
         <p:spPr>
           <a:xfrm>
-            <a:off x="514350" y="6446487"/>
-            <a:ext cx="1885980" cy="274988"/>
+            <a:off x="609600" y="6446487"/>
+            <a:ext cx="2235236" cy="274988"/>
           </a:xfrm>
           <a:prstGeom prst="rect">
             <a:avLst/>
@@ -6355,14 +6000,14 @@
         <p:txBody>
           <a:bodyPr vert="horz" lIns="91440" tIns="45720" rIns="91440" bIns="45720" rtlCol="0" anchor="ctr"/>
           <a:lstStyle>
-            <a:lvl1pPr algn="l" defTabSz="457200" eaLnBrk="1" fontAlgn="auto" hangingPunct="1">
+            <a:lvl1pPr algn="l" defTabSz="541873" eaLnBrk="1" fontAlgn="auto" hangingPunct="1">
               <a:spcBef>
                 <a:spcPts val="0"/>
               </a:spcBef>
               <a:spcAft>
                 <a:spcPts val="0"/>
               </a:spcAft>
-              <a:defRPr sz="1200">
+              <a:defRPr sz="1422">
                 <a:solidFill>
                   <a:prstClr val="black">
                     <a:tint val="75000"/>
@@ -6381,7 +6026,7 @@
               <a:pPr>
                 <a:defRPr/>
               </a:pPr>
-              <a:t>12/30/2019</a:t>
+              <a:t>1/8/2020</a:t>
             </a:fld>
             <a:endParaRPr lang="en-US" dirty="0"/>
           </a:p>
@@ -6399,8 +6044,8 @@
         </p:nvSpPr>
         <p:spPr>
           <a:xfrm>
-            <a:off x="9134475" y="6446487"/>
-            <a:ext cx="638175" cy="274988"/>
+            <a:off x="10826045" y="6446487"/>
+            <a:ext cx="756356" cy="274988"/>
           </a:xfrm>
           <a:prstGeom prst="rect">
             <a:avLst/>
@@ -6413,8 +6058,8 @@
             </a:prstTxWarp>
           </a:bodyPr>
           <a:lstStyle>
-            <a:lvl1pPr algn="r" defTabSz="457200" eaLnBrk="1" hangingPunct="1">
-              <a:defRPr sz="1200">
+            <a:lvl1pPr algn="r" defTabSz="541873" eaLnBrk="1" hangingPunct="1">
+              <a:defRPr sz="1422">
                 <a:solidFill>
                   <a:srgbClr val="898989"/>
                 </a:solidFill>
@@ -6441,61 +6086,7 @@
         <p:nvPicPr>
           <p:cNvPr id="3078" name="Picture 8" descr="BoundlessEnergy.eps"/>
           <p:cNvPicPr>
-            <a:picLocks noChangeAspect="1"/>
-          </p:cNvPicPr>
-          <p:nvPr userDrawn="1"/>
-        </p:nvPicPr>
-        <p:blipFill>
-          <a:blip r:embed="rId14">
-            <a:extLst>
-              <a:ext uri="{28A0092B-C50C-407E-A947-70E740481C1C}">
-                <a14:useLocalDpi xmlns:a14="http://schemas.microsoft.com/office/drawing/2010/main" val="0"/>
-              </a:ext>
-            </a:extLst>
-          </a:blip>
-          <a:srcRect/>
-          <a:stretch>
-            <a:fillRect/>
-          </a:stretch>
-        </p:blipFill>
-        <p:spPr bwMode="auto">
-          <a:xfrm>
-            <a:off x="3563577" y="6442936"/>
-            <a:ext cx="2902669" cy="247967"/>
-          </a:xfrm>
-          <a:prstGeom prst="rect">
-            <a:avLst/>
-          </a:prstGeom>
-          <a:noFill/>
-          <a:ln>
-            <a:noFill/>
-          </a:ln>
-          <a:extLst>
-            <a:ext uri="{909E8E84-426E-40DD-AFC4-6F175D3DCCD1}">
-              <a14:hiddenFill xmlns:a14="http://schemas.microsoft.com/office/drawing/2010/main">
-                <a:solidFill>
-                  <a:srgbClr val="FFFFFF"/>
-                </a:solidFill>
-              </a14:hiddenFill>
-            </a:ext>
-            <a:ext uri="{91240B29-F687-4F45-9708-019B960494DF}">
-              <a14:hiddenLine xmlns:a14="http://schemas.microsoft.com/office/drawing/2010/main" w="9525">
-                <a:solidFill>
-                  <a:srgbClr val="000000"/>
-                </a:solidFill>
-                <a:miter lim="800000"/>
-                <a:headEnd/>
-                <a:tailEnd/>
-              </a14:hiddenLine>
-            </a:ext>
-          </a:extLst>
-        </p:spPr>
-      </p:pic>
-      <p:pic>
-        <p:nvPicPr>
-          <p:cNvPr id="3079" name="Picture 4" descr="AEP_2C_RG.eps"/>
-          <p:cNvPicPr>
-            <a:picLocks noChangeAspect="1"/>
+            <a:picLocks/>
           </p:cNvPicPr>
           <p:nvPr userDrawn="1"/>
         </p:nvPicPr>
@@ -6514,8 +6105,62 @@
         </p:blipFill>
         <p:spPr bwMode="auto">
           <a:xfrm>
-            <a:off x="514351" y="274638"/>
-            <a:ext cx="1679029" cy="927280"/>
+            <a:off x="4644665" y="6446701"/>
+            <a:ext cx="2902669" cy="247967"/>
+          </a:xfrm>
+          <a:prstGeom prst="rect">
+            <a:avLst/>
+          </a:prstGeom>
+          <a:noFill/>
+          <a:ln>
+            <a:noFill/>
+          </a:ln>
+          <a:extLst>
+            <a:ext uri="{909E8E84-426E-40DD-AFC4-6F175D3DCCD1}">
+              <a14:hiddenFill xmlns:a14="http://schemas.microsoft.com/office/drawing/2010/main">
+                <a:solidFill>
+                  <a:srgbClr val="FFFFFF"/>
+                </a:solidFill>
+              </a14:hiddenFill>
+            </a:ext>
+            <a:ext uri="{91240B29-F687-4F45-9708-019B960494DF}">
+              <a14:hiddenLine xmlns:a14="http://schemas.microsoft.com/office/drawing/2010/main" w="9525">
+                <a:solidFill>
+                  <a:srgbClr val="000000"/>
+                </a:solidFill>
+                <a:miter lim="800000"/>
+                <a:headEnd/>
+                <a:tailEnd/>
+              </a14:hiddenLine>
+            </a:ext>
+          </a:extLst>
+        </p:spPr>
+      </p:pic>
+      <p:pic>
+        <p:nvPicPr>
+          <p:cNvPr id="3079" name="Picture 4" descr="AEP_2C_RG.eps"/>
+          <p:cNvPicPr>
+            <a:picLocks noChangeAspect="1"/>
+          </p:cNvPicPr>
+          <p:nvPr userDrawn="1"/>
+        </p:nvPicPr>
+        <p:blipFill>
+          <a:blip r:embed="rId16">
+            <a:extLst>
+              <a:ext uri="{28A0092B-C50C-407E-A947-70E740481C1C}">
+                <a14:useLocalDpi xmlns:a14="http://schemas.microsoft.com/office/drawing/2010/main" val="0"/>
+              </a:ext>
+            </a:extLst>
+          </a:blip>
+          <a:srcRect/>
+          <a:stretch>
+            <a:fillRect/>
+          </a:stretch>
+        </p:blipFill>
+        <p:spPr bwMode="auto">
+          <a:xfrm>
+            <a:off x="609602" y="274639"/>
+            <a:ext cx="1737399" cy="959516"/>
           </a:xfrm>
           <a:prstGeom prst="rect">
             <a:avLst/>
@@ -6552,9 +6197,9 @@
           <p:nvPr userDrawn="1"/>
         </p:nvSpPr>
         <p:spPr>
-          <a:xfrm>
-            <a:off x="514350" y="1371517"/>
-            <a:ext cx="9001125" cy="46037"/>
+          <a:xfrm flipV="1">
+            <a:off x="609600" y="1300318"/>
+            <a:ext cx="10668000" cy="45719"/>
           </a:xfrm>
           <a:prstGeom prst="rect">
             <a:avLst/>
@@ -6594,7 +6239,7 @@
           <a:bodyPr anchor="ctr"/>
           <a:lstStyle/>
           <a:p>
-            <a:pPr algn="ctr" defTabSz="457200" eaLnBrk="1" fontAlgn="auto" hangingPunct="1">
+            <a:pPr algn="ctr" defTabSz="541873" eaLnBrk="1" fontAlgn="auto" hangingPunct="1">
               <a:spcBef>
                 <a:spcPts val="0"/>
               </a:spcBef>
@@ -6603,7 +6248,7 @@
               </a:spcAft>
               <a:defRPr/>
             </a:pPr>
-            <a:endParaRPr lang="en-US" sz="1800" dirty="0">
+            <a:endParaRPr lang="en-US" sz="2133" dirty="0">
               <a:solidFill>
                 <a:prstClr val="white"/>
               </a:solidFill>
@@ -6627,17 +6272,18 @@
     <p:sldLayoutId id="2147516256" r:id="rId10"/>
     <p:sldLayoutId id="2147516257" r:id="rId11"/>
     <p:sldLayoutId id="2147516248" r:id="rId12"/>
+    <p:sldLayoutId id="2147516259" r:id="rId13"/>
   </p:sldLayoutIdLst>
   <p:txStyles>
     <p:titleStyle>
-      <a:lvl1pPr algn="ctr" defTabSz="457200" rtl="0" eaLnBrk="0" fontAlgn="base" hangingPunct="0">
+      <a:lvl1pPr algn="ctr" defTabSz="541873" rtl="0" eaLnBrk="0" fontAlgn="base" hangingPunct="0">
         <a:spcBef>
           <a:spcPct val="0"/>
         </a:spcBef>
         <a:spcAft>
           <a:spcPct val="0"/>
         </a:spcAft>
-        <a:defRPr sz="3600" b="1" kern="1200">
+        <a:defRPr sz="4267" b="1" kern="1200">
           <a:solidFill>
             <a:schemeClr val="tx1"/>
           </a:solidFill>
@@ -6646,112 +6292,112 @@
           <a:cs typeface="+mj-cs"/>
         </a:defRPr>
       </a:lvl1pPr>
-      <a:lvl2pPr algn="ctr" defTabSz="457200" rtl="0" eaLnBrk="0" fontAlgn="base" hangingPunct="0">
+      <a:lvl2pPr algn="ctr" defTabSz="541873" rtl="0" eaLnBrk="0" fontAlgn="base" hangingPunct="0">
         <a:spcBef>
           <a:spcPct val="0"/>
         </a:spcBef>
         <a:spcAft>
           <a:spcPct val="0"/>
         </a:spcAft>
-        <a:defRPr sz="3600" b="1">
+        <a:defRPr sz="4267" b="1">
           <a:solidFill>
             <a:schemeClr val="tx1"/>
           </a:solidFill>
           <a:latin typeface="Calibri" panose="020F0502020204030204" pitchFamily="34" charset="0"/>
         </a:defRPr>
       </a:lvl2pPr>
-      <a:lvl3pPr algn="ctr" defTabSz="457200" rtl="0" eaLnBrk="0" fontAlgn="base" hangingPunct="0">
+      <a:lvl3pPr algn="ctr" defTabSz="541873" rtl="0" eaLnBrk="0" fontAlgn="base" hangingPunct="0">
         <a:spcBef>
           <a:spcPct val="0"/>
         </a:spcBef>
         <a:spcAft>
           <a:spcPct val="0"/>
         </a:spcAft>
-        <a:defRPr sz="3600" b="1">
+        <a:defRPr sz="4267" b="1">
           <a:solidFill>
             <a:schemeClr val="tx1"/>
           </a:solidFill>
           <a:latin typeface="Calibri" panose="020F0502020204030204" pitchFamily="34" charset="0"/>
         </a:defRPr>
       </a:lvl3pPr>
-      <a:lvl4pPr algn="ctr" defTabSz="457200" rtl="0" eaLnBrk="0" fontAlgn="base" hangingPunct="0">
+      <a:lvl4pPr algn="ctr" defTabSz="541873" rtl="0" eaLnBrk="0" fontAlgn="base" hangingPunct="0">
         <a:spcBef>
           <a:spcPct val="0"/>
         </a:spcBef>
         <a:spcAft>
           <a:spcPct val="0"/>
         </a:spcAft>
-        <a:defRPr sz="3600" b="1">
+        <a:defRPr sz="4267" b="1">
           <a:solidFill>
             <a:schemeClr val="tx1"/>
           </a:solidFill>
           <a:latin typeface="Calibri" panose="020F0502020204030204" pitchFamily="34" charset="0"/>
         </a:defRPr>
       </a:lvl4pPr>
-      <a:lvl5pPr algn="ctr" defTabSz="457200" rtl="0" eaLnBrk="0" fontAlgn="base" hangingPunct="0">
+      <a:lvl5pPr algn="ctr" defTabSz="541873" rtl="0" eaLnBrk="0" fontAlgn="base" hangingPunct="0">
         <a:spcBef>
           <a:spcPct val="0"/>
         </a:spcBef>
         <a:spcAft>
           <a:spcPct val="0"/>
         </a:spcAft>
-        <a:defRPr sz="3600" b="1">
+        <a:defRPr sz="4267" b="1">
           <a:solidFill>
             <a:schemeClr val="tx1"/>
           </a:solidFill>
           <a:latin typeface="Calibri" panose="020F0502020204030204" pitchFamily="34" charset="0"/>
         </a:defRPr>
       </a:lvl5pPr>
-      <a:lvl6pPr marL="457200" algn="ctr" defTabSz="457200" rtl="0" fontAlgn="base">
+      <a:lvl6pPr marL="541873" algn="ctr" defTabSz="541873" rtl="0" fontAlgn="base">
         <a:spcBef>
           <a:spcPct val="0"/>
         </a:spcBef>
         <a:spcAft>
           <a:spcPct val="0"/>
         </a:spcAft>
-        <a:defRPr sz="3600" b="1">
+        <a:defRPr sz="4267" b="1">
           <a:solidFill>
             <a:schemeClr val="tx1"/>
           </a:solidFill>
           <a:latin typeface="Calibri" panose="020F0502020204030204" pitchFamily="34" charset="0"/>
         </a:defRPr>
       </a:lvl6pPr>
-      <a:lvl7pPr marL="914400" algn="ctr" defTabSz="457200" rtl="0" fontAlgn="base">
+      <a:lvl7pPr marL="1083747" algn="ctr" defTabSz="541873" rtl="0" fontAlgn="base">
         <a:spcBef>
           <a:spcPct val="0"/>
         </a:spcBef>
         <a:spcAft>
           <a:spcPct val="0"/>
         </a:spcAft>
-        <a:defRPr sz="3600" b="1">
+        <a:defRPr sz="4267" b="1">
           <a:solidFill>
             <a:schemeClr val="tx1"/>
           </a:solidFill>
           <a:latin typeface="Calibri" panose="020F0502020204030204" pitchFamily="34" charset="0"/>
         </a:defRPr>
       </a:lvl7pPr>
-      <a:lvl8pPr marL="1371600" algn="ctr" defTabSz="457200" rtl="0" fontAlgn="base">
+      <a:lvl8pPr marL="1625620" algn="ctr" defTabSz="541873" rtl="0" fontAlgn="base">
         <a:spcBef>
           <a:spcPct val="0"/>
         </a:spcBef>
         <a:spcAft>
           <a:spcPct val="0"/>
         </a:spcAft>
-        <a:defRPr sz="3600" b="1">
+        <a:defRPr sz="4267" b="1">
           <a:solidFill>
             <a:schemeClr val="tx1"/>
           </a:solidFill>
           <a:latin typeface="Calibri" panose="020F0502020204030204" pitchFamily="34" charset="0"/>
         </a:defRPr>
       </a:lvl8pPr>
-      <a:lvl9pPr marL="1828800" algn="ctr" defTabSz="457200" rtl="0" fontAlgn="base">
+      <a:lvl9pPr marL="2167494" algn="ctr" defTabSz="541873" rtl="0" fontAlgn="base">
         <a:spcBef>
           <a:spcPct val="0"/>
         </a:spcBef>
         <a:spcAft>
           <a:spcPct val="0"/>
         </a:spcAft>
-        <a:defRPr sz="3600" b="1">
+        <a:defRPr sz="4267" b="1">
           <a:solidFill>
             <a:schemeClr val="tx1"/>
           </a:solidFill>
@@ -6760,7 +6406,7 @@
       </a:lvl9pPr>
     </p:titleStyle>
     <p:bodyStyle>
-      <a:lvl1pPr marL="342900" indent="-342900" algn="l" defTabSz="457200" rtl="0" eaLnBrk="0" fontAlgn="base" hangingPunct="0">
+      <a:lvl1pPr marL="406405" indent="-406405" algn="l" defTabSz="541873" rtl="0" eaLnBrk="0" fontAlgn="base" hangingPunct="0">
         <a:spcBef>
           <a:spcPct val="20000"/>
         </a:spcBef>
@@ -6769,7 +6415,7 @@
         </a:spcAft>
         <a:buFont typeface="Arial" panose="020B0604020202020204" pitchFamily="34" charset="0"/>
         <a:buChar char="•"/>
-        <a:defRPr sz="3200" kern="1200">
+        <a:defRPr sz="3793" kern="1200">
           <a:solidFill>
             <a:srgbClr val="000000"/>
           </a:solidFill>
@@ -6778,7 +6424,7 @@
           <a:cs typeface="+mn-cs"/>
         </a:defRPr>
       </a:lvl1pPr>
-      <a:lvl2pPr marL="742950" indent="-285750" algn="l" defTabSz="457200" rtl="0" eaLnBrk="0" fontAlgn="base" hangingPunct="0">
+      <a:lvl2pPr marL="880544" indent="-338671" algn="l" defTabSz="541873" rtl="0" eaLnBrk="0" fontAlgn="base" hangingPunct="0">
         <a:spcBef>
           <a:spcPct val="20000"/>
         </a:spcBef>
@@ -6787,7 +6433,7 @@
         </a:spcAft>
         <a:buFont typeface="Arial" panose="020B0604020202020204" pitchFamily="34" charset="0"/>
         <a:buChar char="–"/>
-        <a:defRPr sz="2800" kern="1200">
+        <a:defRPr sz="3319" kern="1200">
           <a:solidFill>
             <a:srgbClr val="000000"/>
           </a:solidFill>
@@ -6796,7 +6442,7 @@
           <a:cs typeface="+mn-cs"/>
         </a:defRPr>
       </a:lvl2pPr>
-      <a:lvl3pPr marL="1143000" indent="-228600" algn="l" defTabSz="457200" rtl="0" eaLnBrk="0" fontAlgn="base" hangingPunct="0">
+      <a:lvl3pPr marL="1354684" indent="-270937" algn="l" defTabSz="541873" rtl="0" eaLnBrk="0" fontAlgn="base" hangingPunct="0">
         <a:spcBef>
           <a:spcPct val="20000"/>
         </a:spcBef>
@@ -6805,7 +6451,7 @@
         </a:spcAft>
         <a:buFont typeface="Arial" panose="020B0604020202020204" pitchFamily="34" charset="0"/>
         <a:buChar char="•"/>
-        <a:defRPr sz="2400" kern="1200">
+        <a:defRPr sz="2844" kern="1200">
           <a:solidFill>
             <a:srgbClr val="000000"/>
           </a:solidFill>
@@ -6814,7 +6460,7 @@
           <a:cs typeface="+mn-cs"/>
         </a:defRPr>
       </a:lvl3pPr>
-      <a:lvl4pPr marL="1600200" indent="-228600" algn="l" defTabSz="457200" rtl="0" eaLnBrk="0" fontAlgn="base" hangingPunct="0">
+      <a:lvl4pPr marL="1896557" indent="-270937" algn="l" defTabSz="541873" rtl="0" eaLnBrk="0" fontAlgn="base" hangingPunct="0">
         <a:spcBef>
           <a:spcPct val="20000"/>
         </a:spcBef>
@@ -6823,7 +6469,7 @@
         </a:spcAft>
         <a:buFont typeface="Arial" panose="020B0604020202020204" pitchFamily="34" charset="0"/>
         <a:buChar char="–"/>
-        <a:defRPr sz="2000" kern="1200">
+        <a:defRPr sz="2370" kern="1200">
           <a:solidFill>
             <a:srgbClr val="000000"/>
           </a:solidFill>
@@ -6832,7 +6478,7 @@
           <a:cs typeface="+mn-cs"/>
         </a:defRPr>
       </a:lvl4pPr>
-      <a:lvl5pPr marL="2057400" indent="-228600" algn="l" defTabSz="457200" rtl="0" eaLnBrk="0" fontAlgn="base" hangingPunct="0">
+      <a:lvl5pPr marL="2438430" indent="-270937" algn="l" defTabSz="541873" rtl="0" eaLnBrk="0" fontAlgn="base" hangingPunct="0">
         <a:spcBef>
           <a:spcPct val="20000"/>
         </a:spcBef>
@@ -6841,7 +6487,7 @@
         </a:spcAft>
         <a:buFont typeface="Arial" panose="020B0604020202020204" pitchFamily="34" charset="0"/>
         <a:buChar char="»"/>
-        <a:defRPr sz="2000" kern="1200">
+        <a:defRPr sz="2370" kern="1200">
           <a:solidFill>
             <a:srgbClr val="000000"/>
           </a:solidFill>
@@ -6850,13 +6496,13 @@
           <a:cs typeface="+mn-cs"/>
         </a:defRPr>
       </a:lvl5pPr>
-      <a:lvl6pPr marL="2514600" indent="-228600" algn="l" defTabSz="457200" rtl="0" eaLnBrk="1" latinLnBrk="0" hangingPunct="1">
+      <a:lvl6pPr marL="2980304" indent="-270937" algn="l" defTabSz="541873" rtl="0" eaLnBrk="1" latinLnBrk="0" hangingPunct="1">
         <a:spcBef>
           <a:spcPct val="20000"/>
         </a:spcBef>
         <a:buFont typeface="Arial"/>
         <a:buChar char="•"/>
-        <a:defRPr sz="2000" kern="1200">
+        <a:defRPr sz="2370" kern="1200">
           <a:solidFill>
             <a:schemeClr val="tx1"/>
           </a:solidFill>
@@ -6865,13 +6511,13 @@
           <a:cs typeface="+mn-cs"/>
         </a:defRPr>
       </a:lvl6pPr>
-      <a:lvl7pPr marL="2971800" indent="-228600" algn="l" defTabSz="457200" rtl="0" eaLnBrk="1" latinLnBrk="0" hangingPunct="1">
+      <a:lvl7pPr marL="3522177" indent="-270937" algn="l" defTabSz="541873" rtl="0" eaLnBrk="1" latinLnBrk="0" hangingPunct="1">
         <a:spcBef>
           <a:spcPct val="20000"/>
         </a:spcBef>
         <a:buFont typeface="Arial"/>
         <a:buChar char="•"/>
-        <a:defRPr sz="2000" kern="1200">
+        <a:defRPr sz="2370" kern="1200">
           <a:solidFill>
             <a:schemeClr val="tx1"/>
           </a:solidFill>
@@ -6880,13 +6526,13 @@
           <a:cs typeface="+mn-cs"/>
         </a:defRPr>
       </a:lvl7pPr>
-      <a:lvl8pPr marL="3429000" indent="-228600" algn="l" defTabSz="457200" rtl="0" eaLnBrk="1" latinLnBrk="0" hangingPunct="1">
+      <a:lvl8pPr marL="4064051" indent="-270937" algn="l" defTabSz="541873" rtl="0" eaLnBrk="1" latinLnBrk="0" hangingPunct="1">
         <a:spcBef>
           <a:spcPct val="20000"/>
         </a:spcBef>
         <a:buFont typeface="Arial"/>
         <a:buChar char="•"/>
-        <a:defRPr sz="2000" kern="1200">
+        <a:defRPr sz="2370" kern="1200">
           <a:solidFill>
             <a:schemeClr val="tx1"/>
           </a:solidFill>
@@ -6895,13 +6541,13 @@
           <a:cs typeface="+mn-cs"/>
         </a:defRPr>
       </a:lvl8pPr>
-      <a:lvl9pPr marL="3886200" indent="-228600" algn="l" defTabSz="457200" rtl="0" eaLnBrk="1" latinLnBrk="0" hangingPunct="1">
+      <a:lvl9pPr marL="4605924" indent="-270937" algn="l" defTabSz="541873" rtl="0" eaLnBrk="1" latinLnBrk="0" hangingPunct="1">
         <a:spcBef>
           <a:spcPct val="20000"/>
         </a:spcBef>
         <a:buFont typeface="Arial"/>
         <a:buChar char="•"/>
-        <a:defRPr sz="2000" kern="1200">
+        <a:defRPr sz="2370" kern="1200">
           <a:solidFill>
             <a:schemeClr val="tx1"/>
           </a:solidFill>
@@ -6915,8 +6561,8 @@
       <a:defPPr>
         <a:defRPr lang="en-US"/>
       </a:defPPr>
-      <a:lvl1pPr marL="0" algn="l" defTabSz="457200" rtl="0" eaLnBrk="1" latinLnBrk="0" hangingPunct="1">
-        <a:defRPr sz="1800" kern="1200">
+      <a:lvl1pPr marL="0" algn="l" defTabSz="541873" rtl="0" eaLnBrk="1" latinLnBrk="0" hangingPunct="1">
+        <a:defRPr sz="2133" kern="1200">
           <a:solidFill>
             <a:schemeClr val="tx1"/>
           </a:solidFill>
@@ -6925,8 +6571,8 @@
           <a:cs typeface="+mn-cs"/>
         </a:defRPr>
       </a:lvl1pPr>
-      <a:lvl2pPr marL="457200" algn="l" defTabSz="457200" rtl="0" eaLnBrk="1" latinLnBrk="0" hangingPunct="1">
-        <a:defRPr sz="1800" kern="1200">
+      <a:lvl2pPr marL="541873" algn="l" defTabSz="541873" rtl="0" eaLnBrk="1" latinLnBrk="0" hangingPunct="1">
+        <a:defRPr sz="2133" kern="1200">
           <a:solidFill>
             <a:schemeClr val="tx1"/>
           </a:solidFill>
@@ -6935,8 +6581,8 @@
           <a:cs typeface="+mn-cs"/>
         </a:defRPr>
       </a:lvl2pPr>
-      <a:lvl3pPr marL="914400" algn="l" defTabSz="457200" rtl="0" eaLnBrk="1" latinLnBrk="0" hangingPunct="1">
-        <a:defRPr sz="1800" kern="1200">
+      <a:lvl3pPr marL="1083747" algn="l" defTabSz="541873" rtl="0" eaLnBrk="1" latinLnBrk="0" hangingPunct="1">
+        <a:defRPr sz="2133" kern="1200">
           <a:solidFill>
             <a:schemeClr val="tx1"/>
           </a:solidFill>
@@ -6945,8 +6591,8 @@
           <a:cs typeface="+mn-cs"/>
         </a:defRPr>
       </a:lvl3pPr>
-      <a:lvl4pPr marL="1371600" algn="l" defTabSz="457200" rtl="0" eaLnBrk="1" latinLnBrk="0" hangingPunct="1">
-        <a:defRPr sz="1800" kern="1200">
+      <a:lvl4pPr marL="1625620" algn="l" defTabSz="541873" rtl="0" eaLnBrk="1" latinLnBrk="0" hangingPunct="1">
+        <a:defRPr sz="2133" kern="1200">
           <a:solidFill>
             <a:schemeClr val="tx1"/>
           </a:solidFill>
@@ -6955,8 +6601,8 @@
           <a:cs typeface="+mn-cs"/>
         </a:defRPr>
       </a:lvl4pPr>
-      <a:lvl5pPr marL="1828800" algn="l" defTabSz="457200" rtl="0" eaLnBrk="1" latinLnBrk="0" hangingPunct="1">
-        <a:defRPr sz="1800" kern="1200">
+      <a:lvl5pPr marL="2167494" algn="l" defTabSz="541873" rtl="0" eaLnBrk="1" latinLnBrk="0" hangingPunct="1">
+        <a:defRPr sz="2133" kern="1200">
           <a:solidFill>
             <a:schemeClr val="tx1"/>
           </a:solidFill>
@@ -6965,8 +6611,8 @@
           <a:cs typeface="+mn-cs"/>
         </a:defRPr>
       </a:lvl5pPr>
-      <a:lvl6pPr marL="2286000" algn="l" defTabSz="457200" rtl="0" eaLnBrk="1" latinLnBrk="0" hangingPunct="1">
-        <a:defRPr sz="1800" kern="1200">
+      <a:lvl6pPr marL="2709367" algn="l" defTabSz="541873" rtl="0" eaLnBrk="1" latinLnBrk="0" hangingPunct="1">
+        <a:defRPr sz="2133" kern="1200">
           <a:solidFill>
             <a:schemeClr val="tx1"/>
           </a:solidFill>
@@ -6975,8 +6621,8 @@
           <a:cs typeface="+mn-cs"/>
         </a:defRPr>
       </a:lvl6pPr>
-      <a:lvl7pPr marL="2743200" algn="l" defTabSz="457200" rtl="0" eaLnBrk="1" latinLnBrk="0" hangingPunct="1">
-        <a:defRPr sz="1800" kern="1200">
+      <a:lvl7pPr marL="3251241" algn="l" defTabSz="541873" rtl="0" eaLnBrk="1" latinLnBrk="0" hangingPunct="1">
+        <a:defRPr sz="2133" kern="1200">
           <a:solidFill>
             <a:schemeClr val="tx1"/>
           </a:solidFill>
@@ -6985,8 +6631,8 @@
           <a:cs typeface="+mn-cs"/>
         </a:defRPr>
       </a:lvl7pPr>
-      <a:lvl8pPr marL="3200400" algn="l" defTabSz="457200" rtl="0" eaLnBrk="1" latinLnBrk="0" hangingPunct="1">
-        <a:defRPr sz="1800" kern="1200">
+      <a:lvl8pPr marL="3793114" algn="l" defTabSz="541873" rtl="0" eaLnBrk="1" latinLnBrk="0" hangingPunct="1">
+        <a:defRPr sz="2133" kern="1200">
           <a:solidFill>
             <a:schemeClr val="tx1"/>
           </a:solidFill>
@@ -6995,8 +6641,8 @@
           <a:cs typeface="+mn-cs"/>
         </a:defRPr>
       </a:lvl8pPr>
-      <a:lvl9pPr marL="3657600" algn="l" defTabSz="457200" rtl="0" eaLnBrk="1" latinLnBrk="0" hangingPunct="1">
-        <a:defRPr sz="1800" kern="1200">
+      <a:lvl9pPr marL="4334988" algn="l" defTabSz="541873" rtl="0" eaLnBrk="1" latinLnBrk="0" hangingPunct="1">
+        <a:defRPr sz="2133" kern="1200">
           <a:solidFill>
             <a:schemeClr val="tx1"/>
           </a:solidFill>
@@ -7901,6 +7547,24 @@
 </file>
 
 <file path=customXml/item1.xml><?xml version="1.0" encoding="utf-8"?>
+<LongProperties xmlns="http://schemas.microsoft.com/office/2006/metadata/longProperties">
+  <LongProp xmlns="" name="Links"><![CDATA[<?xml version="1.0" encoding="UTF-8"?><Result><NewXML><PWSLinkDataSet xmlns="http://schemas.microsoft.com/office/project/server/webservices/PWSLinkDataSet/" /></NewXML><ProjectUID>92667ca2-2f43-4503-9d42-429017907767</ProjectUID><OldXML><PWSLinkDataSet xmlns="http://schemas.microsoft.com/office/project/server/webservices/PWSLinkDataSet/" /></OldXML><ItemType>3</ItemType><PSURL>http://projectserver/pwa</PSURL></Result>]]></LongProp>
+</LongProperties>
+</file>
+
+<file path=customXml/item2.xml><?xml version="1.0" encoding="utf-8"?>
+<p:properties xmlns:p="http://schemas.microsoft.com/office/2006/metadata/properties" xmlns:xsi="http://www.w3.org/2001/XMLSchema-instance" xmlns:pc="http://schemas.microsoft.com/office/infopath/2007/PartnerControls">
+  <documentManagement/>
+</p:properties>
+</file>
+
+<file path=customXml/item3.xml><?xml version="1.0" encoding="utf-8"?>
+<sisl xmlns:xsi="http://www.w3.org/2001/XMLSchema-instance" xmlns:xsd="http://www.w3.org/2001/XMLSchema" xmlns="http://www.boldonjames.com/2008/01/sie/internal/label" sislVersion="0" policy="e9c0b8d7-bdb4-4fd3-b62a-f50327aaefce" origin="userSelected">
+  <element uid="50c31824-0780-4910-87d1-eaaffd182d42" value=""/>
+</sisl>
+</file>
+
+<file path=customXml/item4.xml><?xml version="1.0" encoding="utf-8"?>
 <ct:contentTypeSchema xmlns:ct="http://schemas.microsoft.com/office/2006/metadata/contentType" xmlns:ma="http://schemas.microsoft.com/office/2006/metadata/properties/metaAttributes" ct:_="" ma:_="" ma:contentTypeName="Document" ma:contentTypeID="0x010100358F9A99950E974EBF2A789D490C30B4" ma:contentTypeVersion="" ma:contentTypeDescription="Create a new document." ma:contentTypeScope="" ma:versionID="f0c0926803393d4c472849284d378c2d">
   <xsd:schema xmlns:xsd="http://www.w3.org/2001/XMLSchema" xmlns:xs="http://www.w3.org/2001/XMLSchema" xmlns:p="http://schemas.microsoft.com/office/2006/metadata/properties" targetNamespace="http://schemas.microsoft.com/office/2006/metadata/properties" ma:root="true" ma:fieldsID="b2384c6cc0088fcedbaf6edaf557defa">
     <xsd:element name="properties">
@@ -8014,50 +7678,16 @@
 </ct:contentTypeSchema>
 </file>
 
-<file path=customXml/item2.xml><?xml version="1.0" encoding="utf-8"?>
-<sisl xmlns:xsi="http://www.w3.org/2001/XMLSchema-instance" xmlns:xsd="http://www.w3.org/2001/XMLSchema" xmlns="http://www.boldonjames.com/2008/01/sie/internal/label" sislVersion="0" policy="e9c0b8d7-bdb4-4fd3-b62a-f50327aaefce" origin="userSelected">
-  <element uid="50c31824-0780-4910-87d1-eaaffd182d42" value=""/>
-</sisl>
-</file>
-
-<file path=customXml/item3.xml><?xml version="1.0" encoding="utf-8"?>
-<p:properties xmlns:p="http://schemas.microsoft.com/office/2006/metadata/properties" xmlns:xsi="http://www.w3.org/2001/XMLSchema-instance" xmlns:pc="http://schemas.microsoft.com/office/infopath/2007/PartnerControls">
-  <documentManagement/>
-</p:properties>
-</file>
-
-<file path=customXml/item4.xml><?xml version="1.0" encoding="utf-8"?>
-<LongProperties xmlns="http://schemas.microsoft.com/office/2006/metadata/longProperties">
-  <LongProp xmlns="" name="Links"><![CDATA[<?xml version="1.0" encoding="UTF-8"?><Result><NewXML><PWSLinkDataSet xmlns="http://schemas.microsoft.com/office/project/server/webservices/PWSLinkDataSet/" /></NewXML><ProjectUID>92667ca2-2f43-4503-9d42-429017907767</ProjectUID><OldXML><PWSLinkDataSet xmlns="http://schemas.microsoft.com/office/project/server/webservices/PWSLinkDataSet/" /></OldXML><ItemType>3</ItemType><PSURL>http://projectserver/pwa</PSURL></Result>]]></LongProp>
-</LongProperties>
-</file>
-
 <file path=customXml/itemProps1.xml><?xml version="1.0" encoding="utf-8"?>
-<ds:datastoreItem xmlns:ds="http://schemas.openxmlformats.org/officeDocument/2006/customXml" ds:itemID="{1133FC56-22F6-4BA1-81C0-8284A1B962B9}">
+<ds:datastoreItem xmlns:ds="http://schemas.openxmlformats.org/officeDocument/2006/customXml" ds:itemID="{7CC0F18B-2E4B-422D-8E1D-537E59D8194F}">
   <ds:schemaRefs>
-    <ds:schemaRef ds:uri="http://schemas.microsoft.com/office/2006/metadata/contentType"/>
-    <ds:schemaRef ds:uri="http://schemas.microsoft.com/office/2006/metadata/properties/metaAttributes"/>
-    <ds:schemaRef ds:uri="http://www.w3.org/2001/XMLSchema"/>
-    <ds:schemaRef ds:uri="http://schemas.microsoft.com/office/2006/metadata/properties"/>
-    <ds:schemaRef ds:uri="http://schemas.openxmlformats.org/package/2006/metadata/core-properties"/>
-    <ds:schemaRef ds:uri="http://purl.org/dc/elements/1.1/"/>
-    <ds:schemaRef ds:uri="http://purl.org/dc/terms/"/>
-    <ds:schemaRef ds:uri="http://schemas.microsoft.com/internal/obd"/>
-    <ds:schemaRef ds:uri="http://schemas.microsoft.com/office/infopath/2007/PartnerControls"/>
+    <ds:schemaRef ds:uri="http://schemas.microsoft.com/office/2006/metadata/longProperties"/>
+    <ds:schemaRef ds:uri=""/>
   </ds:schemaRefs>
 </ds:datastoreItem>
 </file>
 
 <file path=customXml/itemProps2.xml><?xml version="1.0" encoding="utf-8"?>
-<ds:datastoreItem xmlns:ds="http://schemas.openxmlformats.org/officeDocument/2006/customXml" ds:itemID="{85151386-E2B1-435F-A28F-C0C2908735C0}">
-  <ds:schemaRefs>
-    <ds:schemaRef ds:uri="http://www.w3.org/2001/XMLSchema"/>
-    <ds:schemaRef ds:uri="http://www.boldonjames.com/2008/01/sie/internal/label"/>
-  </ds:schemaRefs>
-</ds:datastoreItem>
-</file>
-
-<file path=customXml/itemProps3.xml><?xml version="1.0" encoding="utf-8"?>
 <ds:datastoreItem xmlns:ds="http://schemas.openxmlformats.org/officeDocument/2006/customXml" ds:itemID="{BEAD9B9E-B132-474B-8CCF-860FBE6C90F4}">
   <ds:schemaRefs>
     <ds:schemaRef ds:uri="http://schemas.microsoft.com/office/infopath/2007/PartnerControls"/>
@@ -8072,11 +7702,27 @@
 </ds:datastoreItem>
 </file>
 
+<file path=customXml/itemProps3.xml><?xml version="1.0" encoding="utf-8"?>
+<ds:datastoreItem xmlns:ds="http://schemas.openxmlformats.org/officeDocument/2006/customXml" ds:itemID="{85151386-E2B1-435F-A28F-C0C2908735C0}">
+  <ds:schemaRefs>
+    <ds:schemaRef ds:uri="http://www.w3.org/2001/XMLSchema"/>
+    <ds:schemaRef ds:uri="http://www.boldonjames.com/2008/01/sie/internal/label"/>
+  </ds:schemaRefs>
+</ds:datastoreItem>
+</file>
+
 <file path=customXml/itemProps4.xml><?xml version="1.0" encoding="utf-8"?>
-<ds:datastoreItem xmlns:ds="http://schemas.openxmlformats.org/officeDocument/2006/customXml" ds:itemID="{7CC0F18B-2E4B-422D-8E1D-537E59D8194F}">
+<ds:datastoreItem xmlns:ds="http://schemas.openxmlformats.org/officeDocument/2006/customXml" ds:itemID="{1133FC56-22F6-4BA1-81C0-8284A1B962B9}">
   <ds:schemaRefs>
-    <ds:schemaRef ds:uri="http://schemas.microsoft.com/office/2006/metadata/longProperties"/>
-    <ds:schemaRef ds:uri=""/>
+    <ds:schemaRef ds:uri="http://schemas.microsoft.com/office/2006/metadata/contentType"/>
+    <ds:schemaRef ds:uri="http://schemas.microsoft.com/office/2006/metadata/properties/metaAttributes"/>
+    <ds:schemaRef ds:uri="http://www.w3.org/2001/XMLSchema"/>
+    <ds:schemaRef ds:uri="http://schemas.microsoft.com/office/2006/metadata/properties"/>
+    <ds:schemaRef ds:uri="http://schemas.openxmlformats.org/package/2006/metadata/core-properties"/>
+    <ds:schemaRef ds:uri="http://purl.org/dc/elements/1.1/"/>
+    <ds:schemaRef ds:uri="http://purl.org/dc/terms/"/>
+    <ds:schemaRef ds:uri="http://schemas.microsoft.com/internal/obd"/>
+    <ds:schemaRef ds:uri="http://schemas.microsoft.com/office/infopath/2007/PartnerControls"/>
   </ds:schemaRefs>
 </ds:datastoreItem>
 </file>